--- a/Model函数指导.pptx
+++ b/Model函数指导.pptx
@@ -4538,11 +4538,11 @@
               <a:rPr kumimoji="1" lang="en-US" altLang="zh-CN" dirty="0" err="1" smtClean="0"/>
               <a:t>getPicForCat</a:t>
             </a:r>
-            <a:endParaRPr kumimoji="1" lang="zh-CN" altLang="en-US" smtClean="0"/>
-          </a:p>
-          <a:p>
-            <a:r>
-              <a:rPr kumimoji="1" lang="en-US" altLang="zh-CN" smtClean="0"/>
+            <a:endParaRPr kumimoji="1" lang="zh-CN" altLang="en-US" dirty="0" smtClean="0"/>
+          </a:p>
+          <a:p>
+            <a:r>
+              <a:rPr kumimoji="1" lang="en-US" altLang="zh-CN" dirty="0" err="1" smtClean="0"/>
               <a:t>getFashionOutfit</a:t>
             </a:r>
             <a:r>

--- a/Model函数指导.pptx
+++ b/Model函数指导.pptx
@@ -5,7 +5,7 @@
     <p:sldMasterId id="2147483648" r:id="rId1"/>
   </p:sldMasterIdLst>
   <p:notesMasterIdLst>
-    <p:notesMasterId r:id="rId13"/>
+    <p:notesMasterId r:id="rId12"/>
   </p:notesMasterIdLst>
   <p:sldIdLst>
     <p:sldId id="262" r:id="rId2"/>
@@ -18,7 +18,6 @@
     <p:sldId id="265" r:id="rId9"/>
     <p:sldId id="260" r:id="rId10"/>
     <p:sldId id="266" r:id="rId11"/>
-    <p:sldId id="267" r:id="rId12"/>
   </p:sldIdLst>
   <p:sldSz cx="12192000" cy="6858000"/>
   <p:notesSz cx="6858000" cy="9144000"/>
@@ -117,6 +116,11 @@
       </a:defRPr>
     </a:lvl9pPr>
   </p:defaultTextStyle>
+  <p:extLst>
+    <p:ext uri="{EFAFB233-063F-42B5-8137-9DF3F51BA10A}">
+      <p15:sldGuideLst xmlns:p15="http://schemas.microsoft.com/office/powerpoint/2012/main"/>
+    </p:ext>
+  </p:extLst>
 </p:presentation>
 </file>
 
@@ -202,7 +206,7 @@
           <a:p>
             <a:fld id="{5C71957A-AA68-F444-89AB-16AF5E3C115E}" type="datetimeFigureOut">
               <a:rPr kumimoji="1" lang="zh-CN" altLang="en-US" smtClean="0"/>
-              <a:t>16/3/31</a:t>
+              <a:t>16/4/1</a:t>
             </a:fld>
             <a:endParaRPr kumimoji="1" lang="zh-CN" altLang="en-US"/>
           </a:p>
@@ -685,7 +689,7 @@
           <a:p>
             <a:fld id="{64A03C1A-EFCE-3548-B61F-79B78B58740B}" type="datetimeFigureOut">
               <a:rPr kumimoji="1" lang="zh-CN" altLang="en-US" smtClean="0"/>
-              <a:t>16/3/31</a:t>
+              <a:t>16/4/1</a:t>
             </a:fld>
             <a:endParaRPr kumimoji="1" lang="zh-CN" altLang="en-US"/>
           </a:p>
@@ -855,7 +859,7 @@
           <a:p>
             <a:fld id="{64A03C1A-EFCE-3548-B61F-79B78B58740B}" type="datetimeFigureOut">
               <a:rPr kumimoji="1" lang="zh-CN" altLang="en-US" smtClean="0"/>
-              <a:t>16/3/31</a:t>
+              <a:t>16/4/1</a:t>
             </a:fld>
             <a:endParaRPr kumimoji="1" lang="zh-CN" altLang="en-US"/>
           </a:p>
@@ -1035,7 +1039,7 @@
           <a:p>
             <a:fld id="{64A03C1A-EFCE-3548-B61F-79B78B58740B}" type="datetimeFigureOut">
               <a:rPr kumimoji="1" lang="zh-CN" altLang="en-US" smtClean="0"/>
-              <a:t>16/3/31</a:t>
+              <a:t>16/4/1</a:t>
             </a:fld>
             <a:endParaRPr kumimoji="1" lang="zh-CN" altLang="en-US"/>
           </a:p>
@@ -1205,7 +1209,7 @@
           <a:p>
             <a:fld id="{64A03C1A-EFCE-3548-B61F-79B78B58740B}" type="datetimeFigureOut">
               <a:rPr kumimoji="1" lang="zh-CN" altLang="en-US" smtClean="0"/>
-              <a:t>16/3/31</a:t>
+              <a:t>16/4/1</a:t>
             </a:fld>
             <a:endParaRPr kumimoji="1" lang="zh-CN" altLang="en-US"/>
           </a:p>
@@ -1451,7 +1455,7 @@
           <a:p>
             <a:fld id="{64A03C1A-EFCE-3548-B61F-79B78B58740B}" type="datetimeFigureOut">
               <a:rPr kumimoji="1" lang="zh-CN" altLang="en-US" smtClean="0"/>
-              <a:t>16/3/31</a:t>
+              <a:t>16/4/1</a:t>
             </a:fld>
             <a:endParaRPr kumimoji="1" lang="zh-CN" altLang="en-US"/>
           </a:p>
@@ -1683,7 +1687,7 @@
           <a:p>
             <a:fld id="{64A03C1A-EFCE-3548-B61F-79B78B58740B}" type="datetimeFigureOut">
               <a:rPr kumimoji="1" lang="zh-CN" altLang="en-US" smtClean="0"/>
-              <a:t>16/3/31</a:t>
+              <a:t>16/4/1</a:t>
             </a:fld>
             <a:endParaRPr kumimoji="1" lang="zh-CN" altLang="en-US"/>
           </a:p>
@@ -2050,7 +2054,7 @@
           <a:p>
             <a:fld id="{64A03C1A-EFCE-3548-B61F-79B78B58740B}" type="datetimeFigureOut">
               <a:rPr kumimoji="1" lang="zh-CN" altLang="en-US" smtClean="0"/>
-              <a:t>16/3/31</a:t>
+              <a:t>16/4/1</a:t>
             </a:fld>
             <a:endParaRPr kumimoji="1" lang="zh-CN" altLang="en-US"/>
           </a:p>
@@ -2168,7 +2172,7 @@
           <a:p>
             <a:fld id="{64A03C1A-EFCE-3548-B61F-79B78B58740B}" type="datetimeFigureOut">
               <a:rPr kumimoji="1" lang="zh-CN" altLang="en-US" smtClean="0"/>
-              <a:t>16/3/31</a:t>
+              <a:t>16/4/1</a:t>
             </a:fld>
             <a:endParaRPr kumimoji="1" lang="zh-CN" altLang="en-US"/>
           </a:p>
@@ -2263,7 +2267,7 @@
           <a:p>
             <a:fld id="{64A03C1A-EFCE-3548-B61F-79B78B58740B}" type="datetimeFigureOut">
               <a:rPr kumimoji="1" lang="zh-CN" altLang="en-US" smtClean="0"/>
-              <a:t>16/3/31</a:t>
+              <a:t>16/4/1</a:t>
             </a:fld>
             <a:endParaRPr kumimoji="1" lang="zh-CN" altLang="en-US"/>
           </a:p>
@@ -2540,7 +2544,7 @@
           <a:p>
             <a:fld id="{64A03C1A-EFCE-3548-B61F-79B78B58740B}" type="datetimeFigureOut">
               <a:rPr kumimoji="1" lang="zh-CN" altLang="en-US" smtClean="0"/>
-              <a:t>16/3/31</a:t>
+              <a:t>16/4/1</a:t>
             </a:fld>
             <a:endParaRPr kumimoji="1" lang="zh-CN" altLang="en-US"/>
           </a:p>
@@ -2793,7 +2797,7 @@
           <a:p>
             <a:fld id="{64A03C1A-EFCE-3548-B61F-79B78B58740B}" type="datetimeFigureOut">
               <a:rPr kumimoji="1" lang="zh-CN" altLang="en-US" smtClean="0"/>
-              <a:t>16/3/31</a:t>
+              <a:t>16/4/1</a:t>
             </a:fld>
             <a:endParaRPr kumimoji="1" lang="zh-CN" altLang="en-US"/>
           </a:p>
@@ -3006,7 +3010,7 @@
           <a:p>
             <a:fld id="{64A03C1A-EFCE-3548-B61F-79B78B58740B}" type="datetimeFigureOut">
               <a:rPr kumimoji="1" lang="zh-CN" altLang="en-US" smtClean="0"/>
-              <a:t>16/3/31</a:t>
+              <a:t>16/4/1</a:t>
             </a:fld>
             <a:endParaRPr kumimoji="1" lang="zh-CN" altLang="en-US"/>
           </a:p>
@@ -3667,142 +3671,6 @@
 </p:sld>
 </file>
 
-<file path=ppt/slides/slide11.xml><?xml version="1.0" encoding="utf-8"?>
-<p:sld xmlns:a="http://schemas.openxmlformats.org/drawingml/2006/main" xmlns:r="http://schemas.openxmlformats.org/officeDocument/2006/relationships" xmlns:p="http://schemas.openxmlformats.org/presentationml/2006/main">
-  <p:cSld>
-    <p:spTree>
-      <p:nvGrpSpPr>
-        <p:cNvPr id="1" name=""/>
-        <p:cNvGrpSpPr/>
-        <p:nvPr/>
-      </p:nvGrpSpPr>
-      <p:grpSpPr>
-        <a:xfrm>
-          <a:off x="0" y="0"/>
-          <a:ext cx="0" cy="0"/>
-          <a:chOff x="0" y="0"/>
-          <a:chExt cx="0" cy="0"/>
-        </a:xfrm>
-      </p:grpSpPr>
-      <p:sp>
-        <p:nvSpPr>
-          <p:cNvPr id="5" name="文本框 4"/>
-          <p:cNvSpPr txBox="1"/>
-          <p:nvPr/>
-        </p:nvSpPr>
-        <p:spPr>
-          <a:xfrm>
-            <a:off x="5339443" y="1237343"/>
-            <a:ext cx="5730736" cy="2862322"/>
-          </a:xfrm>
-          <a:prstGeom prst="rect">
-            <a:avLst/>
-          </a:prstGeom>
-          <a:noFill/>
-        </p:spPr>
-        <p:txBody>
-          <a:bodyPr wrap="none" rtlCol="0">
-            <a:spAutoFit/>
-          </a:bodyPr>
-          <a:lstStyle/>
-          <a:p>
-            <a:r>
-              <a:rPr kumimoji="1" lang="en-US" altLang="zh-CN" dirty="0" smtClean="0"/>
-              <a:t>me</a:t>
-            </a:r>
-            <a:endParaRPr kumimoji="1" lang="zh-CN" altLang="en-US" dirty="0" smtClean="0"/>
-          </a:p>
-          <a:p>
-            <a:endParaRPr kumimoji="1" lang="zh-CN" altLang="en-US" dirty="0"/>
-          </a:p>
-          <a:p>
-            <a:endParaRPr kumimoji="1" lang="zh-CN" altLang="en-US" dirty="0" smtClean="0"/>
-          </a:p>
-          <a:p>
-            <a:endParaRPr kumimoji="1" lang="zh-CN" altLang="en-US" dirty="0"/>
-          </a:p>
-          <a:p>
-            <a:r>
-              <a:rPr kumimoji="1" lang="en-US" altLang="zh-CN" dirty="0" smtClean="0"/>
-              <a:t>Set/get Gender</a:t>
-            </a:r>
-          </a:p>
-          <a:p>
-            <a:r>
-              <a:rPr kumimoji="1" lang="en-US" altLang="zh-CN" dirty="0" smtClean="0"/>
-              <a:t>Set/get Intensity</a:t>
-            </a:r>
-          </a:p>
-          <a:p>
-            <a:r>
-              <a:rPr kumimoji="1" lang="en-US" altLang="zh-CN" dirty="0" err="1" smtClean="0"/>
-              <a:t>setNotification</a:t>
-            </a:r>
-            <a:endParaRPr kumimoji="1" lang="en-US" altLang="zh-CN" dirty="0" smtClean="0"/>
-          </a:p>
-          <a:p>
-            <a:r>
-              <a:rPr kumimoji="1" lang="en-US" altLang="zh-CN" dirty="0" err="1" smtClean="0"/>
-              <a:t>setSharing</a:t>
-            </a:r>
-            <a:endParaRPr kumimoji="1" lang="en-US" altLang="zh-CN" dirty="0" smtClean="0"/>
-          </a:p>
-          <a:p>
-            <a:r>
-              <a:rPr kumimoji="1" lang="en-US" altLang="zh-CN" dirty="0" err="1" smtClean="0"/>
-              <a:t>getProfile</a:t>
-            </a:r>
-            <a:r>
-              <a:rPr kumimoji="1" lang="zh-CN" altLang="en-US" dirty="0" smtClean="0"/>
-              <a:t> </a:t>
-            </a:r>
-            <a:r>
-              <a:rPr kumimoji="1" lang="zh-CN" altLang="en-US" dirty="0" smtClean="0"/>
-              <a:t>返回数组，包含</a:t>
-            </a:r>
-            <a:r>
-              <a:rPr kumimoji="1" lang="en-US" altLang="zh-CN" dirty="0" smtClean="0"/>
-              <a:t>ID</a:t>
-            </a:r>
-            <a:r>
-              <a:rPr kumimoji="1" lang="zh-CN" altLang="en-US" dirty="0"/>
-              <a:t>，</a:t>
-            </a:r>
-            <a:r>
-              <a:rPr kumimoji="1" lang="zh-CN" altLang="en-US" dirty="0" smtClean="0"/>
-              <a:t>名字，图片，初始设置？</a:t>
-            </a:r>
-            <a:endParaRPr kumimoji="1" lang="en-US" altLang="zh-CN" dirty="0" smtClean="0"/>
-          </a:p>
-          <a:p>
-            <a:r>
-              <a:rPr kumimoji="1" lang="en-US" altLang="zh-CN" dirty="0" smtClean="0"/>
-              <a:t>Logout</a:t>
-            </a:r>
-            <a:r>
-              <a:rPr kumimoji="1" lang="zh-CN" altLang="en-US" dirty="0" smtClean="0"/>
-              <a:t>实现</a:t>
-            </a:r>
-            <a:r>
-              <a:rPr kumimoji="1" lang="en-US" altLang="zh-CN" dirty="0" smtClean="0"/>
-              <a:t>?? </a:t>
-            </a:r>
-          </a:p>
-        </p:txBody>
-      </p:sp>
-    </p:spTree>
-    <p:extLst>
-      <p:ext uri="{BB962C8B-B14F-4D97-AF65-F5344CB8AC3E}">
-        <p14:creationId xmlns:p14="http://schemas.microsoft.com/office/powerpoint/2010/main" val="1529768250"/>
-      </p:ext>
-    </p:extLst>
-  </p:cSld>
-  <p:clrMapOvr>
-    <a:masterClrMapping/>
-  </p:clrMapOvr>
-</p:sld>
-</file>
-
 <file path=ppt/slides/slide2.xml><?xml version="1.0" encoding="utf-8"?>
 <p:sld xmlns:a="http://schemas.openxmlformats.org/drawingml/2006/main" xmlns:r="http://schemas.openxmlformats.org/officeDocument/2006/relationships" xmlns:p="http://schemas.openxmlformats.org/presentationml/2006/main">
   <p:cSld>
@@ -3866,7 +3734,6 @@
               <a:rPr kumimoji="1" lang="en-US" altLang="zh-CN" dirty="0" smtClean="0"/>
               <a:t>model</a:t>
             </a:r>
-            <a:endParaRPr kumimoji="1" lang="en-US" altLang="zh-CN" dirty="0" smtClean="0"/>
           </a:p>
         </p:txBody>
       </p:sp>
@@ -4004,15 +3871,7 @@
           <a:p>
             <a:r>
               <a:rPr kumimoji="1" lang="en-US" altLang="zh-CN" dirty="0" err="1" smtClean="0"/>
-              <a:t>getWeedkend</a:t>
-            </a:r>
-            <a:r>
-              <a:rPr kumimoji="1" lang="en-US" altLang="zh-CN" dirty="0" err="1" smtClean="0"/>
-              <a:t>s</a:t>
-            </a:r>
-            <a:r>
-              <a:rPr kumimoji="1" lang="en-US" altLang="zh-CN" dirty="0" err="1" smtClean="0"/>
-              <a:t>weather</a:t>
+              <a:t>getWeedkendsweather</a:t>
             </a:r>
             <a:endParaRPr kumimoji="1" lang="zh-CN" altLang="en-US" dirty="0" smtClean="0"/>
           </a:p>
@@ -4062,7 +3921,7 @@
       </p:sp>
       <p:pic>
         <p:nvPicPr>
-          <p:cNvPr id="6" name="图片 5"/>
+          <p:cNvPr id="2" name="图片 1"/>
           <p:cNvPicPr>
             <a:picLocks noChangeAspect="1"/>
           </p:cNvPicPr>
@@ -4082,8 +3941,38 @@
         </p:blipFill>
         <p:spPr>
           <a:xfrm>
-            <a:off x="400957" y="0"/>
-            <a:ext cx="3976234" cy="6858000"/>
+            <a:off x="306457" y="0"/>
+            <a:ext cx="3973995" cy="6298987"/>
+          </a:xfrm>
+          <a:prstGeom prst="rect">
+            <a:avLst/>
+          </a:prstGeom>
+        </p:spPr>
+      </p:pic>
+      <p:pic>
+        <p:nvPicPr>
+          <p:cNvPr id="7" name="图片 6"/>
+          <p:cNvPicPr>
+            <a:picLocks noChangeAspect="1"/>
+          </p:cNvPicPr>
+          <p:nvPr/>
+        </p:nvPicPr>
+        <p:blipFill>
+          <a:blip r:embed="rId3">
+            <a:extLst>
+              <a:ext uri="{28A0092B-C50C-407E-A947-70E740481C1C}">
+                <a14:useLocalDpi xmlns:a14="http://schemas.microsoft.com/office/drawing/2010/main" val="0"/>
+              </a:ext>
+            </a:extLst>
+          </a:blip>
+          <a:stretch>
+            <a:fillRect/>
+          </a:stretch>
+        </p:blipFill>
+        <p:spPr>
+          <a:xfrm>
+            <a:off x="319709" y="6298987"/>
+            <a:ext cx="3973995" cy="518347"/>
           </a:xfrm>
           <a:prstGeom prst="rect">
             <a:avLst/>
@@ -4169,7 +4058,6 @@
               <a:rPr kumimoji="1" lang="zh-CN" altLang="en-US" dirty="0" smtClean="0"/>
               <a:t>待定</a:t>
             </a:r>
-            <a:endParaRPr kumimoji="1" lang="zh-CN" altLang="en-US" dirty="0" smtClean="0"/>
           </a:p>
           <a:p>
             <a:endParaRPr kumimoji="1" lang="zh-CN" altLang="en-US" dirty="0"/>
@@ -4397,7 +4285,6 @@
               <a:rPr kumimoji="1" lang="zh-CN" altLang="en-US" dirty="0" smtClean="0"/>
               <a:t>待定</a:t>
             </a:r>
-            <a:endParaRPr kumimoji="1" lang="zh-CN" altLang="en-US" dirty="0" smtClean="0"/>
           </a:p>
           <a:p>
             <a:endParaRPr kumimoji="1" lang="zh-CN" altLang="en-US" dirty="0"/>
@@ -5124,11 +5011,7 @@
             </a:r>
             <a:r>
               <a:rPr kumimoji="1" lang="zh-CN" altLang="en-US" dirty="0" smtClean="0"/>
-              <a:t> </a:t>
-            </a:r>
-            <a:r>
-              <a:rPr kumimoji="1" lang="zh-CN" altLang="en-US" dirty="0" smtClean="0"/>
-              <a:t>返回数组，包含</a:t>
+              <a:t> 返回数组，包含</a:t>
             </a:r>
             <a:r>
               <a:rPr kumimoji="1" lang="en-US" altLang="zh-CN" dirty="0" smtClean="0"/>

--- a/Model函数指导.pptx
+++ b/Model函数指导.pptx
@@ -5,7 +5,7 @@
     <p:sldMasterId id="2147483648" r:id="rId1"/>
   </p:sldMasterIdLst>
   <p:notesMasterIdLst>
-    <p:notesMasterId r:id="rId12"/>
+    <p:notesMasterId r:id="rId13"/>
   </p:notesMasterIdLst>
   <p:sldIdLst>
     <p:sldId id="262" r:id="rId2"/>
@@ -18,6 +18,7 @@
     <p:sldId id="265" r:id="rId9"/>
     <p:sldId id="260" r:id="rId10"/>
     <p:sldId id="266" r:id="rId11"/>
+    <p:sldId id="267" r:id="rId12"/>
   </p:sldIdLst>
   <p:sldSz cx="12192000" cy="6858000"/>
   <p:notesSz cx="6858000" cy="9144000"/>
@@ -206,7 +207,7 @@
           <a:p>
             <a:fld id="{5C71957A-AA68-F444-89AB-16AF5E3C115E}" type="datetimeFigureOut">
               <a:rPr kumimoji="1" lang="zh-CN" altLang="en-US" smtClean="0"/>
-              <a:t>16/4/1</a:t>
+              <a:t>16/4/2</a:t>
             </a:fld>
             <a:endParaRPr kumimoji="1" lang="zh-CN" altLang="en-US"/>
           </a:p>
@@ -558,6 +559,90 @@
 </p:notes>
 </file>
 
+<file path=ppt/notesSlides/notesSlide2.xml><?xml version="1.0" encoding="utf-8"?>
+<p:notes xmlns:a="http://schemas.openxmlformats.org/drawingml/2006/main" xmlns:r="http://schemas.openxmlformats.org/officeDocument/2006/relationships" xmlns:p="http://schemas.openxmlformats.org/presentationml/2006/main">
+  <p:cSld>
+    <p:spTree>
+      <p:nvGrpSpPr>
+        <p:cNvPr id="1" name=""/>
+        <p:cNvGrpSpPr/>
+        <p:nvPr/>
+      </p:nvGrpSpPr>
+      <p:grpSpPr>
+        <a:xfrm>
+          <a:off x="0" y="0"/>
+          <a:ext cx="0" cy="0"/>
+          <a:chOff x="0" y="0"/>
+          <a:chExt cx="0" cy="0"/>
+        </a:xfrm>
+      </p:grpSpPr>
+      <p:sp>
+        <p:nvSpPr>
+          <p:cNvPr id="2" name="幻灯片图像占位符 1"/>
+          <p:cNvSpPr>
+            <a:spLocks noGrp="1" noRot="1" noChangeAspect="1"/>
+          </p:cNvSpPr>
+          <p:nvPr>
+            <p:ph type="sldImg"/>
+          </p:nvPr>
+        </p:nvSpPr>
+        <p:spPr/>
+      </p:sp>
+      <p:sp>
+        <p:nvSpPr>
+          <p:cNvPr id="3" name="备注占位符 2"/>
+          <p:cNvSpPr>
+            <a:spLocks noGrp="1"/>
+          </p:cNvSpPr>
+          <p:nvPr>
+            <p:ph type="body" idx="1"/>
+          </p:nvPr>
+        </p:nvSpPr>
+        <p:spPr/>
+        <p:txBody>
+          <a:bodyPr/>
+          <a:lstStyle/>
+          <a:p>
+            <a:endParaRPr kumimoji="1" lang="zh-CN" altLang="en-US" dirty="0"/>
+          </a:p>
+        </p:txBody>
+      </p:sp>
+      <p:sp>
+        <p:nvSpPr>
+          <p:cNvPr id="4" name="幻灯片编号占位符 3"/>
+          <p:cNvSpPr>
+            <a:spLocks noGrp="1"/>
+          </p:cNvSpPr>
+          <p:nvPr>
+            <p:ph type="sldNum" sz="quarter" idx="10"/>
+          </p:nvPr>
+        </p:nvSpPr>
+        <p:spPr/>
+        <p:txBody>
+          <a:bodyPr/>
+          <a:lstStyle/>
+          <a:p>
+            <a:fld id="{EA966D40-2C26-1E47-9698-81D858885975}" type="slidenum">
+              <a:rPr kumimoji="1" lang="zh-CN" altLang="en-US" smtClean="0"/>
+              <a:t>11</a:t>
+            </a:fld>
+            <a:endParaRPr kumimoji="1" lang="zh-CN" altLang="en-US"/>
+          </a:p>
+        </p:txBody>
+      </p:sp>
+    </p:spTree>
+    <p:extLst>
+      <p:ext uri="{BB962C8B-B14F-4D97-AF65-F5344CB8AC3E}">
+        <p14:creationId xmlns:p14="http://schemas.microsoft.com/office/powerpoint/2010/main" val="1218133051"/>
+      </p:ext>
+    </p:extLst>
+  </p:cSld>
+  <p:clrMapOvr>
+    <a:masterClrMapping/>
+  </p:clrMapOvr>
+</p:notes>
+</file>
+
 <file path=ppt/slideLayouts/slideLayout1.xml><?xml version="1.0" encoding="utf-8"?>
 <p:sldLayout xmlns:a="http://schemas.openxmlformats.org/drawingml/2006/main" xmlns:r="http://schemas.openxmlformats.org/officeDocument/2006/relationships" xmlns:p="http://schemas.openxmlformats.org/presentationml/2006/main" type="title" preserve="1">
   <p:cSld name="标题幻灯片">
@@ -689,7 +774,7 @@
           <a:p>
             <a:fld id="{64A03C1A-EFCE-3548-B61F-79B78B58740B}" type="datetimeFigureOut">
               <a:rPr kumimoji="1" lang="zh-CN" altLang="en-US" smtClean="0"/>
-              <a:t>16/4/1</a:t>
+              <a:t>16/4/2</a:t>
             </a:fld>
             <a:endParaRPr kumimoji="1" lang="zh-CN" altLang="en-US"/>
           </a:p>
@@ -859,7 +944,7 @@
           <a:p>
             <a:fld id="{64A03C1A-EFCE-3548-B61F-79B78B58740B}" type="datetimeFigureOut">
               <a:rPr kumimoji="1" lang="zh-CN" altLang="en-US" smtClean="0"/>
-              <a:t>16/4/1</a:t>
+              <a:t>16/4/2</a:t>
             </a:fld>
             <a:endParaRPr kumimoji="1" lang="zh-CN" altLang="en-US"/>
           </a:p>
@@ -1039,7 +1124,7 @@
           <a:p>
             <a:fld id="{64A03C1A-EFCE-3548-B61F-79B78B58740B}" type="datetimeFigureOut">
               <a:rPr kumimoji="1" lang="zh-CN" altLang="en-US" smtClean="0"/>
-              <a:t>16/4/1</a:t>
+              <a:t>16/4/2</a:t>
             </a:fld>
             <a:endParaRPr kumimoji="1" lang="zh-CN" altLang="en-US"/>
           </a:p>
@@ -1209,7 +1294,7 @@
           <a:p>
             <a:fld id="{64A03C1A-EFCE-3548-B61F-79B78B58740B}" type="datetimeFigureOut">
               <a:rPr kumimoji="1" lang="zh-CN" altLang="en-US" smtClean="0"/>
-              <a:t>16/4/1</a:t>
+              <a:t>16/4/2</a:t>
             </a:fld>
             <a:endParaRPr kumimoji="1" lang="zh-CN" altLang="en-US"/>
           </a:p>
@@ -1455,7 +1540,7 @@
           <a:p>
             <a:fld id="{64A03C1A-EFCE-3548-B61F-79B78B58740B}" type="datetimeFigureOut">
               <a:rPr kumimoji="1" lang="zh-CN" altLang="en-US" smtClean="0"/>
-              <a:t>16/4/1</a:t>
+              <a:t>16/4/2</a:t>
             </a:fld>
             <a:endParaRPr kumimoji="1" lang="zh-CN" altLang="en-US"/>
           </a:p>
@@ -1687,7 +1772,7 @@
           <a:p>
             <a:fld id="{64A03C1A-EFCE-3548-B61F-79B78B58740B}" type="datetimeFigureOut">
               <a:rPr kumimoji="1" lang="zh-CN" altLang="en-US" smtClean="0"/>
-              <a:t>16/4/1</a:t>
+              <a:t>16/4/2</a:t>
             </a:fld>
             <a:endParaRPr kumimoji="1" lang="zh-CN" altLang="en-US"/>
           </a:p>
@@ -2054,7 +2139,7 @@
           <a:p>
             <a:fld id="{64A03C1A-EFCE-3548-B61F-79B78B58740B}" type="datetimeFigureOut">
               <a:rPr kumimoji="1" lang="zh-CN" altLang="en-US" smtClean="0"/>
-              <a:t>16/4/1</a:t>
+              <a:t>16/4/2</a:t>
             </a:fld>
             <a:endParaRPr kumimoji="1" lang="zh-CN" altLang="en-US"/>
           </a:p>
@@ -2172,7 +2257,7 @@
           <a:p>
             <a:fld id="{64A03C1A-EFCE-3548-B61F-79B78B58740B}" type="datetimeFigureOut">
               <a:rPr kumimoji="1" lang="zh-CN" altLang="en-US" smtClean="0"/>
-              <a:t>16/4/1</a:t>
+              <a:t>16/4/2</a:t>
             </a:fld>
             <a:endParaRPr kumimoji="1" lang="zh-CN" altLang="en-US"/>
           </a:p>
@@ -2267,7 +2352,7 @@
           <a:p>
             <a:fld id="{64A03C1A-EFCE-3548-B61F-79B78B58740B}" type="datetimeFigureOut">
               <a:rPr kumimoji="1" lang="zh-CN" altLang="en-US" smtClean="0"/>
-              <a:t>16/4/1</a:t>
+              <a:t>16/4/2</a:t>
             </a:fld>
             <a:endParaRPr kumimoji="1" lang="zh-CN" altLang="en-US"/>
           </a:p>
@@ -2544,7 +2629,7 @@
           <a:p>
             <a:fld id="{64A03C1A-EFCE-3548-B61F-79B78B58740B}" type="datetimeFigureOut">
               <a:rPr kumimoji="1" lang="zh-CN" altLang="en-US" smtClean="0"/>
-              <a:t>16/4/1</a:t>
+              <a:t>16/4/2</a:t>
             </a:fld>
             <a:endParaRPr kumimoji="1" lang="zh-CN" altLang="en-US"/>
           </a:p>
@@ -2797,7 +2882,7 @@
           <a:p>
             <a:fld id="{64A03C1A-EFCE-3548-B61F-79B78B58740B}" type="datetimeFigureOut">
               <a:rPr kumimoji="1" lang="zh-CN" altLang="en-US" smtClean="0"/>
-              <a:t>16/4/1</a:t>
+              <a:t>16/4/2</a:t>
             </a:fld>
             <a:endParaRPr kumimoji="1" lang="zh-CN" altLang="en-US"/>
           </a:p>
@@ -3010,7 +3095,7 @@
           <a:p>
             <a:fld id="{64A03C1A-EFCE-3548-B61F-79B78B58740B}" type="datetimeFigureOut">
               <a:rPr kumimoji="1" lang="zh-CN" altLang="en-US" smtClean="0"/>
-              <a:t>16/4/1</a:t>
+              <a:t>16/4/2</a:t>
             </a:fld>
             <a:endParaRPr kumimoji="1" lang="zh-CN" altLang="en-US"/>
           </a:p>
@@ -3540,7 +3625,7 @@
         </p:nvSpPr>
         <p:spPr>
           <a:xfrm>
-            <a:off x="7208000" y="375952"/>
+            <a:off x="7208000" y="2636164"/>
             <a:ext cx="3990088" cy="2031325"/>
           </a:xfrm>
           <a:prstGeom prst="rect">
@@ -3658,10 +3743,117 @@
           </a:prstGeom>
         </p:spPr>
       </p:pic>
+      <p:sp>
+        <p:nvSpPr>
+          <p:cNvPr id="6" name="文本框 5"/>
+          <p:cNvSpPr txBox="1"/>
+          <p:nvPr/>
+        </p:nvSpPr>
+        <p:spPr>
+          <a:xfrm>
+            <a:off x="7208000" y="649357"/>
+            <a:ext cx="1758302" cy="584775"/>
+          </a:xfrm>
+          <a:prstGeom prst="rect">
+            <a:avLst/>
+          </a:prstGeom>
+          <a:noFill/>
+        </p:spPr>
+        <p:txBody>
+          <a:bodyPr wrap="none" rtlCol="0">
+            <a:spAutoFit/>
+          </a:bodyPr>
+          <a:lstStyle/>
+          <a:p>
+            <a:pPr lvl="0"/>
+            <a:r>
+              <a:rPr kumimoji="1" lang="en-US" altLang="zh-CN" sz="3200" smtClean="0"/>
+              <a:t>Chengqiu</a:t>
+            </a:r>
+            <a:endParaRPr kumimoji="1" lang="zh-CN" altLang="en-US" sz="3200" dirty="0"/>
+          </a:p>
+        </p:txBody>
+      </p:sp>
     </p:spTree>
     <p:extLst>
       <p:ext uri="{BB962C8B-B14F-4D97-AF65-F5344CB8AC3E}">
         <p14:creationId xmlns:p14="http://schemas.microsoft.com/office/powerpoint/2010/main" val="1264136839"/>
+      </p:ext>
+    </p:extLst>
+  </p:cSld>
+  <p:clrMapOvr>
+    <a:masterClrMapping/>
+  </p:clrMapOvr>
+</p:sld>
+</file>
+
+<file path=ppt/slides/slide11.xml><?xml version="1.0" encoding="utf-8"?>
+<p:sld xmlns:a="http://schemas.openxmlformats.org/drawingml/2006/main" xmlns:r="http://schemas.openxmlformats.org/officeDocument/2006/relationships" xmlns:p="http://schemas.openxmlformats.org/presentationml/2006/main">
+  <p:cSld>
+    <p:spTree>
+      <p:nvGrpSpPr>
+        <p:cNvPr id="1" name=""/>
+        <p:cNvGrpSpPr/>
+        <p:nvPr/>
+      </p:nvGrpSpPr>
+      <p:grpSpPr>
+        <a:xfrm>
+          <a:off x="0" y="0"/>
+          <a:ext cx="0" cy="0"/>
+          <a:chOff x="0" y="0"/>
+          <a:chExt cx="0" cy="0"/>
+        </a:xfrm>
+      </p:grpSpPr>
+      <p:sp>
+        <p:nvSpPr>
+          <p:cNvPr id="5" name="文本框 4"/>
+          <p:cNvSpPr txBox="1"/>
+          <p:nvPr/>
+        </p:nvSpPr>
+        <p:spPr>
+          <a:xfrm>
+            <a:off x="1575826" y="1072407"/>
+            <a:ext cx="3990088" cy="369332"/>
+          </a:xfrm>
+          <a:prstGeom prst="rect">
+            <a:avLst/>
+          </a:prstGeom>
+          <a:noFill/>
+        </p:spPr>
+        <p:txBody>
+          <a:bodyPr wrap="square" rtlCol="0">
+            <a:spAutoFit/>
+          </a:bodyPr>
+          <a:lstStyle/>
+          <a:p>
+            <a:r>
+              <a:rPr kumimoji="1" lang="zh-CN" altLang="en-US" dirty="0" smtClean="0"/>
+              <a:t>其他界面，</a:t>
+            </a:r>
+            <a:r>
+              <a:rPr kumimoji="1" lang="en-US" altLang="zh-CN" dirty="0" smtClean="0"/>
+              <a:t>log</a:t>
+            </a:r>
+            <a:r>
+              <a:rPr kumimoji="1" lang="zh-CN" altLang="en-US" dirty="0" smtClean="0"/>
+              <a:t> </a:t>
+            </a:r>
+            <a:r>
+              <a:rPr kumimoji="1" lang="en-US" altLang="zh-CN" dirty="0" smtClean="0"/>
+              <a:t>in </a:t>
+            </a:r>
+            <a:r>
+              <a:rPr kumimoji="1" lang="zh-CN" altLang="en-US" smtClean="0"/>
+              <a:t>一系列</a:t>
+            </a:r>
+            <a:endParaRPr kumimoji="1" lang="en-US" altLang="zh-CN" dirty="0" smtClean="0"/>
+          </a:p>
+        </p:txBody>
+      </p:sp>
+    </p:spTree>
+    <p:extLst>
+      <p:ext uri="{BB962C8B-B14F-4D97-AF65-F5344CB8AC3E}">
+        <p14:creationId xmlns:p14="http://schemas.microsoft.com/office/powerpoint/2010/main" val="911222944"/>
       </p:ext>
     </p:extLst>
   </p:cSld>
@@ -3697,7 +3889,7 @@
         <p:spPr>
           <a:xfrm>
             <a:off x="5339443" y="1237343"/>
-            <a:ext cx="2165978" cy="1477328"/>
+            <a:ext cx="2165978" cy="2646878"/>
           </a:xfrm>
           <a:prstGeom prst="rect">
             <a:avLst/>
@@ -3709,6 +3901,19 @@
             <a:spAutoFit/>
           </a:bodyPr>
           <a:lstStyle/>
+          <a:p>
+            <a:r>
+              <a:rPr kumimoji="1" lang="en-US" altLang="zh-CN" sz="4000" dirty="0" smtClean="0"/>
+              <a:t>Rona</a:t>
+            </a:r>
+            <a:endParaRPr kumimoji="1" lang="en-US" altLang="zh-CN" dirty="0" smtClean="0"/>
+          </a:p>
+          <a:p>
+            <a:endParaRPr kumimoji="1" lang="en-US" altLang="zh-CN" dirty="0"/>
+          </a:p>
+          <a:p>
+            <a:endParaRPr kumimoji="1" lang="en-US" altLang="zh-CN" dirty="0" smtClean="0"/>
+          </a:p>
           <a:p>
             <a:r>
               <a:rPr kumimoji="1" lang="en-US" altLang="zh-CN" dirty="0" err="1" smtClean="0"/>
@@ -3805,8 +4010,8 @@
         </p:nvSpPr>
         <p:spPr>
           <a:xfrm>
-            <a:off x="5295900" y="1193800"/>
-            <a:ext cx="5639172" cy="4524315"/>
+            <a:off x="7911451" y="655601"/>
+            <a:ext cx="3816410" cy="5970865"/>
           </a:xfrm>
           <a:prstGeom prst="rect">
             <a:avLst/>
@@ -3814,11 +4019,33 @@
           <a:noFill/>
         </p:spPr>
         <p:txBody>
-          <a:bodyPr wrap="none" rtlCol="0">
+          <a:bodyPr wrap="square" rtlCol="0">
             <a:spAutoFit/>
           </a:bodyPr>
           <a:lstStyle/>
           <a:p>
+            <a:pPr lvl="0"/>
+            <a:r>
+              <a:rPr kumimoji="1" lang="en-US" altLang="zh-CN" sz="4000" dirty="0">
+                <a:solidFill>
+                  <a:prstClr val="black"/>
+                </a:solidFill>
+              </a:rPr>
+              <a:t>Rona</a:t>
+            </a:r>
+            <a:endParaRPr kumimoji="1" lang="en-US" altLang="zh-CN" dirty="0">
+              <a:solidFill>
+                <a:prstClr val="black"/>
+              </a:solidFill>
+            </a:endParaRPr>
+          </a:p>
+          <a:p>
+            <a:endParaRPr kumimoji="1" lang="en-US" altLang="zh-CN" dirty="0" smtClean="0"/>
+          </a:p>
+          <a:p>
+            <a:endParaRPr kumimoji="1" lang="en-US" altLang="zh-CN" dirty="0"/>
+          </a:p>
+          <a:p>
             <a:r>
               <a:rPr kumimoji="1" lang="en-US" altLang="zh-CN" dirty="0" smtClean="0"/>
               <a:t>Home</a:t>
@@ -3921,7 +4148,7 @@
       </p:sp>
       <p:pic>
         <p:nvPicPr>
-          <p:cNvPr id="2" name="图片 1"/>
+          <p:cNvPr id="3" name="图片 2"/>
           <p:cNvPicPr>
             <a:picLocks noChangeAspect="1"/>
           </p:cNvPicPr>
@@ -3941,8 +4168,8 @@
         </p:blipFill>
         <p:spPr>
           <a:xfrm>
-            <a:off x="306457" y="0"/>
-            <a:ext cx="3973995" cy="6298987"/>
+            <a:off x="0" y="0"/>
+            <a:ext cx="3967771" cy="6858000"/>
           </a:xfrm>
           <a:prstGeom prst="rect">
             <a:avLst/>
@@ -3951,7 +4178,7 @@
       </p:pic>
       <p:pic>
         <p:nvPicPr>
-          <p:cNvPr id="7" name="图片 6"/>
+          <p:cNvPr id="4" name="图片 3"/>
           <p:cNvPicPr>
             <a:picLocks noChangeAspect="1"/>
           </p:cNvPicPr>
@@ -3971,8 +4198,8 @@
         </p:blipFill>
         <p:spPr>
           <a:xfrm>
-            <a:off x="319709" y="6298987"/>
-            <a:ext cx="3973995" cy="518347"/>
+            <a:off x="3850916" y="0"/>
+            <a:ext cx="3933265" cy="6858000"/>
           </a:xfrm>
           <a:prstGeom prst="rect">
             <a:avLst/>
@@ -4056,7 +4283,7 @@
           <a:p>
             <a:r>
               <a:rPr kumimoji="1" lang="zh-CN" altLang="en-US" dirty="0" smtClean="0"/>
-              <a:t>待定</a:t>
+              <a:t>待定，可能没有了</a:t>
             </a:r>
           </a:p>
           <a:p>
@@ -4191,7 +4418,7 @@
       </p:sp>
       <p:pic>
         <p:nvPicPr>
-          <p:cNvPr id="7" name="图片 6"/>
+          <p:cNvPr id="2" name="图片 1"/>
           <p:cNvPicPr>
             <a:picLocks noChangeAspect="1"/>
           </p:cNvPicPr>
@@ -4211,8 +4438,8 @@
         </p:blipFill>
         <p:spPr>
           <a:xfrm>
-            <a:off x="456096" y="0"/>
-            <a:ext cx="3908757" cy="6858000"/>
+            <a:off x="668683" y="0"/>
+            <a:ext cx="3923135" cy="6858000"/>
           </a:xfrm>
           <a:prstGeom prst="rect">
             <a:avLst/>
@@ -4257,7 +4484,7 @@
         </p:nvSpPr>
         <p:spPr>
           <a:xfrm>
-            <a:off x="5635534" y="1124131"/>
+            <a:off x="5635534" y="2690336"/>
             <a:ext cx="1263231" cy="1477328"/>
           </a:xfrm>
           <a:prstGeom prst="rect">
@@ -4328,6 +4555,37 @@
           </a:prstGeom>
         </p:spPr>
       </p:pic>
+      <p:sp>
+        <p:nvSpPr>
+          <p:cNvPr id="7" name="文本框 6"/>
+          <p:cNvSpPr txBox="1"/>
+          <p:nvPr/>
+        </p:nvSpPr>
+        <p:spPr>
+          <a:xfrm>
+            <a:off x="5635534" y="927652"/>
+            <a:ext cx="1162498" cy="584775"/>
+          </a:xfrm>
+          <a:prstGeom prst="rect">
+            <a:avLst/>
+          </a:prstGeom>
+          <a:noFill/>
+        </p:spPr>
+        <p:txBody>
+          <a:bodyPr wrap="none" rtlCol="0">
+            <a:spAutoFit/>
+          </a:bodyPr>
+          <a:lstStyle/>
+          <a:p>
+            <a:pPr lvl="0"/>
+            <a:r>
+              <a:rPr kumimoji="1" lang="en-US" altLang="zh-CN" sz="3200" dirty="0" err="1" smtClean="0"/>
+              <a:t>Ziying</a:t>
+            </a:r>
+            <a:endParaRPr kumimoji="1" lang="zh-CN" altLang="en-US" sz="3200" dirty="0"/>
+          </a:p>
+        </p:txBody>
+      </p:sp>
     </p:spTree>
     <p:extLst>
       <p:ext uri="{BB962C8B-B14F-4D97-AF65-F5344CB8AC3E}">
@@ -4366,8 +4624,8 @@
         </p:nvSpPr>
         <p:spPr>
           <a:xfrm>
-            <a:off x="5295900" y="1193800"/>
-            <a:ext cx="2953629" cy="2862322"/>
+            <a:off x="5295900" y="2439505"/>
+            <a:ext cx="2953629" cy="3139321"/>
           </a:xfrm>
           <a:prstGeom prst="rect">
             <a:avLst/>
@@ -4380,6 +4638,9 @@
           </a:bodyPr>
           <a:lstStyle/>
           <a:p>
+            <a:endParaRPr kumimoji="1" lang="en-US" altLang="zh-CN" dirty="0" smtClean="0"/>
+          </a:p>
+          <a:p>
             <a:r>
               <a:rPr kumimoji="1" lang="en-US" altLang="zh-CN" dirty="0" smtClean="0"/>
               <a:t>explore</a:t>
@@ -4445,9 +4706,51 @@
           </a:p>
         </p:txBody>
       </p:sp>
+      <p:sp>
+        <p:nvSpPr>
+          <p:cNvPr id="3" name="文本框 2"/>
+          <p:cNvSpPr txBox="1"/>
+          <p:nvPr/>
+        </p:nvSpPr>
+        <p:spPr>
+          <a:xfrm>
+            <a:off x="5295900" y="1152939"/>
+            <a:ext cx="1550746" cy="984885"/>
+          </a:xfrm>
+          <a:prstGeom prst="rect">
+            <a:avLst/>
+          </a:prstGeom>
+          <a:noFill/>
+        </p:spPr>
+        <p:txBody>
+          <a:bodyPr wrap="none" rtlCol="0">
+            <a:spAutoFit/>
+          </a:bodyPr>
+          <a:lstStyle/>
+          <a:p>
+            <a:pPr lvl="0"/>
+            <a:r>
+              <a:rPr kumimoji="1" lang="en-US" altLang="zh-CN" sz="4000" dirty="0" err="1">
+                <a:solidFill>
+                  <a:prstClr val="black"/>
+                </a:solidFill>
+              </a:rPr>
+              <a:t>Yingjie</a:t>
+            </a:r>
+            <a:endParaRPr kumimoji="1" lang="en-US" altLang="zh-CN" dirty="0">
+              <a:solidFill>
+                <a:prstClr val="black"/>
+              </a:solidFill>
+            </a:endParaRPr>
+          </a:p>
+          <a:p>
+            <a:endParaRPr kumimoji="1" lang="zh-CN" altLang="en-US" dirty="0"/>
+          </a:p>
+        </p:txBody>
+      </p:sp>
       <p:pic>
         <p:nvPicPr>
-          <p:cNvPr id="2" name="图片 1"/>
+          <p:cNvPr id="4" name="图片 3"/>
           <p:cNvPicPr>
             <a:picLocks noChangeAspect="1"/>
           </p:cNvPicPr>
@@ -4467,8 +4770,8 @@
         </p:blipFill>
         <p:spPr>
           <a:xfrm>
-            <a:off x="267530" y="0"/>
-            <a:ext cx="3940342" cy="6858000"/>
+            <a:off x="708440" y="0"/>
+            <a:ext cx="3920289" cy="6858000"/>
           </a:xfrm>
           <a:prstGeom prst="rect">
             <a:avLst/>
@@ -4513,7 +4816,7 @@
         </p:nvSpPr>
         <p:spPr>
           <a:xfrm>
-            <a:off x="5897217" y="1012014"/>
+            <a:off x="5897217" y="2058936"/>
             <a:ext cx="6294783" cy="3970318"/>
           </a:xfrm>
           <a:prstGeom prst="rect">
@@ -4701,9 +5004,49 @@
           </a:p>
         </p:txBody>
       </p:sp>
+      <p:sp>
+        <p:nvSpPr>
+          <p:cNvPr id="4" name="文本框 3"/>
+          <p:cNvSpPr txBox="1"/>
+          <p:nvPr/>
+        </p:nvSpPr>
+        <p:spPr>
+          <a:xfrm>
+            <a:off x="5897217" y="742122"/>
+            <a:ext cx="1279774" cy="1077218"/>
+          </a:xfrm>
+          <a:prstGeom prst="rect">
+            <a:avLst/>
+          </a:prstGeom>
+          <a:noFill/>
+        </p:spPr>
+        <p:txBody>
+          <a:bodyPr wrap="none" rtlCol="0">
+            <a:spAutoFit/>
+          </a:bodyPr>
+          <a:lstStyle>
+            <a:defPPr>
+              <a:defRPr lang="zh-CN"/>
+            </a:defPPr>
+            <a:lvl1pPr lvl="0">
+              <a:defRPr kumimoji="1" sz="3200"/>
+            </a:lvl1pPr>
+          </a:lstStyle>
+          <a:p>
+            <a:r>
+              <a:rPr lang="en-US" altLang="zh-CN" dirty="0" err="1"/>
+              <a:t>Yingjie</a:t>
+            </a:r>
+            <a:endParaRPr lang="en-US" altLang="zh-CN" dirty="0"/>
+          </a:p>
+          <a:p>
+            <a:endParaRPr lang="zh-CN" altLang="en-US" dirty="0"/>
+          </a:p>
+        </p:txBody>
+      </p:sp>
       <p:pic>
         <p:nvPicPr>
-          <p:cNvPr id="5" name="图片 4"/>
+          <p:cNvPr id="2" name="图片 1"/>
           <p:cNvPicPr>
             <a:picLocks noChangeAspect="1"/>
           </p:cNvPicPr>
@@ -4723,8 +5066,8 @@
         </p:blipFill>
         <p:spPr>
           <a:xfrm>
-            <a:off x="575917" y="-13252"/>
-            <a:ext cx="3931786" cy="6858000"/>
+            <a:off x="813904" y="0"/>
+            <a:ext cx="3904555" cy="6858000"/>
           </a:xfrm>
           <a:prstGeom prst="rect">
             <a:avLst/>
@@ -4769,7 +5112,7 @@
         </p:nvSpPr>
         <p:spPr>
           <a:xfrm>
-            <a:off x="5933096" y="1118031"/>
+            <a:off x="5933096" y="2549266"/>
             <a:ext cx="6032810" cy="3139321"/>
           </a:xfrm>
           <a:prstGeom prst="rect">
@@ -4881,9 +5224,40 @@
           </a:p>
         </p:txBody>
       </p:sp>
+      <p:sp>
+        <p:nvSpPr>
+          <p:cNvPr id="5" name="文本框 4"/>
+          <p:cNvSpPr txBox="1"/>
+          <p:nvPr/>
+        </p:nvSpPr>
+        <p:spPr>
+          <a:xfrm>
+            <a:off x="5933096" y="927652"/>
+            <a:ext cx="1758302" cy="584775"/>
+          </a:xfrm>
+          <a:prstGeom prst="rect">
+            <a:avLst/>
+          </a:prstGeom>
+          <a:noFill/>
+        </p:spPr>
+        <p:txBody>
+          <a:bodyPr wrap="none" rtlCol="0">
+            <a:spAutoFit/>
+          </a:bodyPr>
+          <a:lstStyle/>
+          <a:p>
+            <a:pPr lvl="0"/>
+            <a:r>
+              <a:rPr kumimoji="1" lang="en-US" altLang="zh-CN" sz="3200" smtClean="0"/>
+              <a:t>Chengqiu</a:t>
+            </a:r>
+            <a:endParaRPr kumimoji="1" lang="zh-CN" altLang="en-US" sz="3200" dirty="0"/>
+          </a:p>
+        </p:txBody>
+      </p:sp>
       <p:pic>
         <p:nvPicPr>
-          <p:cNvPr id="4" name="图片 3"/>
+          <p:cNvPr id="2" name="图片 1"/>
           <p:cNvPicPr>
             <a:picLocks noChangeAspect="1"/>
           </p:cNvPicPr>
@@ -4903,8 +5277,8 @@
         </p:blipFill>
         <p:spPr>
           <a:xfrm>
-            <a:off x="589170" y="0"/>
-            <a:ext cx="3918857" cy="6858000"/>
+            <a:off x="656535" y="0"/>
+            <a:ext cx="3964625" cy="6858000"/>
           </a:xfrm>
           <a:prstGeom prst="rect">
             <a:avLst/>
@@ -4949,8 +5323,8 @@
         </p:nvSpPr>
         <p:spPr>
           <a:xfrm>
-            <a:off x="5339443" y="1237343"/>
-            <a:ext cx="5730736" cy="2862322"/>
+            <a:off x="8877774" y="2655325"/>
+            <a:ext cx="2903409" cy="3139321"/>
           </a:xfrm>
           <a:prstGeom prst="rect">
             <a:avLst/>
@@ -4958,7 +5332,7 @@
           <a:noFill/>
         </p:spPr>
         <p:txBody>
-          <a:bodyPr wrap="none" rtlCol="0">
+          <a:bodyPr wrap="square" rtlCol="0">
             <a:spAutoFit/>
           </a:bodyPr>
           <a:lstStyle/>
@@ -5067,6 +5441,76 @@
           <a:xfrm>
             <a:off x="521425" y="0"/>
             <a:ext cx="3877561" cy="6858000"/>
+          </a:xfrm>
+          <a:prstGeom prst="rect">
+            <a:avLst/>
+          </a:prstGeom>
+        </p:spPr>
+      </p:pic>
+      <p:sp>
+        <p:nvSpPr>
+          <p:cNvPr id="4" name="文本框 3"/>
+          <p:cNvSpPr txBox="1"/>
+          <p:nvPr/>
+        </p:nvSpPr>
+        <p:spPr>
+          <a:xfrm>
+            <a:off x="8877774" y="887895"/>
+            <a:ext cx="1388201" cy="1077218"/>
+          </a:xfrm>
+          <a:prstGeom prst="rect">
+            <a:avLst/>
+          </a:prstGeom>
+          <a:noFill/>
+        </p:spPr>
+        <p:txBody>
+          <a:bodyPr wrap="none" rtlCol="0">
+            <a:spAutoFit/>
+          </a:bodyPr>
+          <a:lstStyle>
+            <a:defPPr>
+              <a:defRPr lang="zh-CN"/>
+            </a:defPPr>
+            <a:lvl1pPr lvl="0">
+              <a:defRPr kumimoji="1" sz="3200"/>
+            </a:lvl1pPr>
+          </a:lstStyle>
+          <a:p>
+            <a:r>
+              <a:rPr lang="en-US" altLang="zh-CN" dirty="0" err="1"/>
+              <a:t>Wenbo</a:t>
+            </a:r>
+            <a:endParaRPr lang="en-US" altLang="zh-CN" dirty="0"/>
+          </a:p>
+          <a:p>
+            <a:endParaRPr lang="zh-CN" altLang="en-US" dirty="0"/>
+          </a:p>
+        </p:txBody>
+      </p:sp>
+      <p:pic>
+        <p:nvPicPr>
+          <p:cNvPr id="2" name="图片 1"/>
+          <p:cNvPicPr>
+            <a:picLocks noChangeAspect="1"/>
+          </p:cNvPicPr>
+          <p:nvPr/>
+        </p:nvPicPr>
+        <p:blipFill>
+          <a:blip r:embed="rId3">
+            <a:extLst>
+              <a:ext uri="{28A0092B-C50C-407E-A947-70E740481C1C}">
+                <a14:useLocalDpi xmlns:a14="http://schemas.microsoft.com/office/drawing/2010/main" val="0"/>
+              </a:ext>
+            </a:extLst>
+          </a:blip>
+          <a:stretch>
+            <a:fillRect/>
+          </a:stretch>
+        </p:blipFill>
+        <p:spPr>
+          <a:xfrm>
+            <a:off x="4522857" y="0"/>
+            <a:ext cx="3834473" cy="6858000"/>
           </a:xfrm>
           <a:prstGeom prst="rect">
             <a:avLst/>

--- a/Model函数指导.pptx
+++ b/Model函数指导.pptx
@@ -5,20 +5,21 @@
     <p:sldMasterId id="2147483648" r:id="rId1"/>
   </p:sldMasterIdLst>
   <p:notesMasterIdLst>
-    <p:notesMasterId r:id="rId13"/>
+    <p:notesMasterId r:id="rId14"/>
   </p:notesMasterIdLst>
   <p:sldIdLst>
     <p:sldId id="262" r:id="rId2"/>
-    <p:sldId id="261" r:id="rId3"/>
-    <p:sldId id="256" r:id="rId4"/>
-    <p:sldId id="263" r:id="rId5"/>
-    <p:sldId id="257" r:id="rId6"/>
-    <p:sldId id="258" r:id="rId7"/>
-    <p:sldId id="264" r:id="rId8"/>
-    <p:sldId id="265" r:id="rId9"/>
-    <p:sldId id="260" r:id="rId10"/>
-    <p:sldId id="266" r:id="rId11"/>
-    <p:sldId id="267" r:id="rId12"/>
+    <p:sldId id="268" r:id="rId3"/>
+    <p:sldId id="261" r:id="rId4"/>
+    <p:sldId id="256" r:id="rId5"/>
+    <p:sldId id="263" r:id="rId6"/>
+    <p:sldId id="257" r:id="rId7"/>
+    <p:sldId id="258" r:id="rId8"/>
+    <p:sldId id="264" r:id="rId9"/>
+    <p:sldId id="265" r:id="rId10"/>
+    <p:sldId id="260" r:id="rId11"/>
+    <p:sldId id="266" r:id="rId12"/>
+    <p:sldId id="267" r:id="rId13"/>
   </p:sldIdLst>
   <p:sldSz cx="12192000" cy="6858000"/>
   <p:notesSz cx="6858000" cy="9144000"/>
@@ -207,7 +208,7 @@
           <a:p>
             <a:fld id="{5C71957A-AA68-F444-89AB-16AF5E3C115E}" type="datetimeFigureOut">
               <a:rPr kumimoji="1" lang="zh-CN" altLang="en-US" smtClean="0"/>
-              <a:t>16/4/2</a:t>
+              <a:t>16/4/4</a:t>
             </a:fld>
             <a:endParaRPr kumimoji="1" lang="zh-CN" altLang="en-US"/>
           </a:p>
@@ -540,7 +541,7 @@
           <a:p>
             <a:fld id="{EA966D40-2C26-1E47-9698-81D858885975}" type="slidenum">
               <a:rPr kumimoji="1" lang="zh-CN" altLang="en-US" smtClean="0"/>
-              <a:t>10</a:t>
+              <a:t>11</a:t>
             </a:fld>
             <a:endParaRPr kumimoji="1" lang="zh-CN" altLang="en-US"/>
           </a:p>
@@ -624,7 +625,7 @@
           <a:p>
             <a:fld id="{EA966D40-2C26-1E47-9698-81D858885975}" type="slidenum">
               <a:rPr kumimoji="1" lang="zh-CN" altLang="en-US" smtClean="0"/>
-              <a:t>11</a:t>
+              <a:t>12</a:t>
             </a:fld>
             <a:endParaRPr kumimoji="1" lang="zh-CN" altLang="en-US"/>
           </a:p>
@@ -774,7 +775,7 @@
           <a:p>
             <a:fld id="{64A03C1A-EFCE-3548-B61F-79B78B58740B}" type="datetimeFigureOut">
               <a:rPr kumimoji="1" lang="zh-CN" altLang="en-US" smtClean="0"/>
-              <a:t>16/4/2</a:t>
+              <a:t>16/4/4</a:t>
             </a:fld>
             <a:endParaRPr kumimoji="1" lang="zh-CN" altLang="en-US"/>
           </a:p>
@@ -944,7 +945,7 @@
           <a:p>
             <a:fld id="{64A03C1A-EFCE-3548-B61F-79B78B58740B}" type="datetimeFigureOut">
               <a:rPr kumimoji="1" lang="zh-CN" altLang="en-US" smtClean="0"/>
-              <a:t>16/4/2</a:t>
+              <a:t>16/4/4</a:t>
             </a:fld>
             <a:endParaRPr kumimoji="1" lang="zh-CN" altLang="en-US"/>
           </a:p>
@@ -1124,7 +1125,7 @@
           <a:p>
             <a:fld id="{64A03C1A-EFCE-3548-B61F-79B78B58740B}" type="datetimeFigureOut">
               <a:rPr kumimoji="1" lang="zh-CN" altLang="en-US" smtClean="0"/>
-              <a:t>16/4/2</a:t>
+              <a:t>16/4/4</a:t>
             </a:fld>
             <a:endParaRPr kumimoji="1" lang="zh-CN" altLang="en-US"/>
           </a:p>
@@ -1294,7 +1295,7 @@
           <a:p>
             <a:fld id="{64A03C1A-EFCE-3548-B61F-79B78B58740B}" type="datetimeFigureOut">
               <a:rPr kumimoji="1" lang="zh-CN" altLang="en-US" smtClean="0"/>
-              <a:t>16/4/2</a:t>
+              <a:t>16/4/4</a:t>
             </a:fld>
             <a:endParaRPr kumimoji="1" lang="zh-CN" altLang="en-US"/>
           </a:p>
@@ -1540,7 +1541,7 @@
           <a:p>
             <a:fld id="{64A03C1A-EFCE-3548-B61F-79B78B58740B}" type="datetimeFigureOut">
               <a:rPr kumimoji="1" lang="zh-CN" altLang="en-US" smtClean="0"/>
-              <a:t>16/4/2</a:t>
+              <a:t>16/4/4</a:t>
             </a:fld>
             <a:endParaRPr kumimoji="1" lang="zh-CN" altLang="en-US"/>
           </a:p>
@@ -1772,7 +1773,7 @@
           <a:p>
             <a:fld id="{64A03C1A-EFCE-3548-B61F-79B78B58740B}" type="datetimeFigureOut">
               <a:rPr kumimoji="1" lang="zh-CN" altLang="en-US" smtClean="0"/>
-              <a:t>16/4/2</a:t>
+              <a:t>16/4/4</a:t>
             </a:fld>
             <a:endParaRPr kumimoji="1" lang="zh-CN" altLang="en-US"/>
           </a:p>
@@ -2139,7 +2140,7 @@
           <a:p>
             <a:fld id="{64A03C1A-EFCE-3548-B61F-79B78B58740B}" type="datetimeFigureOut">
               <a:rPr kumimoji="1" lang="zh-CN" altLang="en-US" smtClean="0"/>
-              <a:t>16/4/2</a:t>
+              <a:t>16/4/4</a:t>
             </a:fld>
             <a:endParaRPr kumimoji="1" lang="zh-CN" altLang="en-US"/>
           </a:p>
@@ -2257,7 +2258,7 @@
           <a:p>
             <a:fld id="{64A03C1A-EFCE-3548-B61F-79B78B58740B}" type="datetimeFigureOut">
               <a:rPr kumimoji="1" lang="zh-CN" altLang="en-US" smtClean="0"/>
-              <a:t>16/4/2</a:t>
+              <a:t>16/4/4</a:t>
             </a:fld>
             <a:endParaRPr kumimoji="1" lang="zh-CN" altLang="en-US"/>
           </a:p>
@@ -2352,7 +2353,7 @@
           <a:p>
             <a:fld id="{64A03C1A-EFCE-3548-B61F-79B78B58740B}" type="datetimeFigureOut">
               <a:rPr kumimoji="1" lang="zh-CN" altLang="en-US" smtClean="0"/>
-              <a:t>16/4/2</a:t>
+              <a:t>16/4/4</a:t>
             </a:fld>
             <a:endParaRPr kumimoji="1" lang="zh-CN" altLang="en-US"/>
           </a:p>
@@ -2629,7 +2630,7 @@
           <a:p>
             <a:fld id="{64A03C1A-EFCE-3548-B61F-79B78B58740B}" type="datetimeFigureOut">
               <a:rPr kumimoji="1" lang="zh-CN" altLang="en-US" smtClean="0"/>
-              <a:t>16/4/2</a:t>
+              <a:t>16/4/4</a:t>
             </a:fld>
             <a:endParaRPr kumimoji="1" lang="zh-CN" altLang="en-US"/>
           </a:p>
@@ -2882,7 +2883,7 @@
           <a:p>
             <a:fld id="{64A03C1A-EFCE-3548-B61F-79B78B58740B}" type="datetimeFigureOut">
               <a:rPr kumimoji="1" lang="zh-CN" altLang="en-US" smtClean="0"/>
-              <a:t>16/4/2</a:t>
+              <a:t>16/4/4</a:t>
             </a:fld>
             <a:endParaRPr kumimoji="1" lang="zh-CN" altLang="en-US"/>
           </a:p>
@@ -3095,7 +3096,7 @@
           <a:p>
             <a:fld id="{64A03C1A-EFCE-3548-B61F-79B78B58740B}" type="datetimeFigureOut">
               <a:rPr kumimoji="1" lang="zh-CN" altLang="en-US" smtClean="0"/>
-              <a:t>16/4/2</a:t>
+              <a:t>16/4/4</a:t>
             </a:fld>
             <a:endParaRPr kumimoji="1" lang="zh-CN" altLang="en-US"/>
           </a:p>
@@ -3625,6 +3626,238 @@
         </p:nvSpPr>
         <p:spPr>
           <a:xfrm>
+            <a:off x="8877774" y="2655325"/>
+            <a:ext cx="2903409" cy="3139321"/>
+          </a:xfrm>
+          <a:prstGeom prst="rect">
+            <a:avLst/>
+          </a:prstGeom>
+          <a:noFill/>
+        </p:spPr>
+        <p:txBody>
+          <a:bodyPr wrap="square" rtlCol="0">
+            <a:spAutoFit/>
+          </a:bodyPr>
+          <a:lstStyle/>
+          <a:p>
+            <a:r>
+              <a:rPr kumimoji="1" lang="en-US" altLang="zh-CN" dirty="0" smtClean="0"/>
+              <a:t>me</a:t>
+            </a:r>
+            <a:endParaRPr kumimoji="1" lang="zh-CN" altLang="en-US" dirty="0" smtClean="0"/>
+          </a:p>
+          <a:p>
+            <a:endParaRPr kumimoji="1" lang="zh-CN" altLang="en-US" dirty="0"/>
+          </a:p>
+          <a:p>
+            <a:endParaRPr kumimoji="1" lang="zh-CN" altLang="en-US" dirty="0" smtClean="0"/>
+          </a:p>
+          <a:p>
+            <a:endParaRPr kumimoji="1" lang="zh-CN" altLang="en-US" dirty="0"/>
+          </a:p>
+          <a:p>
+            <a:r>
+              <a:rPr kumimoji="1" lang="en-US" altLang="zh-CN" dirty="0" smtClean="0"/>
+              <a:t>Set/get Gender</a:t>
+            </a:r>
+          </a:p>
+          <a:p>
+            <a:r>
+              <a:rPr kumimoji="1" lang="en-US" altLang="zh-CN" dirty="0" smtClean="0"/>
+              <a:t>Set/get Intensity</a:t>
+            </a:r>
+          </a:p>
+          <a:p>
+            <a:r>
+              <a:rPr kumimoji="1" lang="en-US" altLang="zh-CN" dirty="0" err="1" smtClean="0"/>
+              <a:t>setNotification</a:t>
+            </a:r>
+            <a:endParaRPr kumimoji="1" lang="en-US" altLang="zh-CN" dirty="0" smtClean="0"/>
+          </a:p>
+          <a:p>
+            <a:r>
+              <a:rPr kumimoji="1" lang="en-US" altLang="zh-CN" dirty="0" err="1" smtClean="0"/>
+              <a:t>setSharing</a:t>
+            </a:r>
+            <a:endParaRPr kumimoji="1" lang="en-US" altLang="zh-CN" dirty="0" smtClean="0"/>
+          </a:p>
+          <a:p>
+            <a:r>
+              <a:rPr kumimoji="1" lang="en-US" altLang="zh-CN" dirty="0" err="1" smtClean="0"/>
+              <a:t>getProfile</a:t>
+            </a:r>
+            <a:r>
+              <a:rPr kumimoji="1" lang="zh-CN" altLang="en-US" dirty="0" smtClean="0"/>
+              <a:t> 返回数组，包含</a:t>
+            </a:r>
+            <a:r>
+              <a:rPr kumimoji="1" lang="en-US" altLang="zh-CN" dirty="0" smtClean="0"/>
+              <a:t>ID</a:t>
+            </a:r>
+            <a:r>
+              <a:rPr kumimoji="1" lang="zh-CN" altLang="en-US" dirty="0"/>
+              <a:t>，</a:t>
+            </a:r>
+            <a:r>
+              <a:rPr kumimoji="1" lang="zh-CN" altLang="en-US" dirty="0" smtClean="0"/>
+              <a:t>名字，图片，初始设置？</a:t>
+            </a:r>
+            <a:endParaRPr kumimoji="1" lang="en-US" altLang="zh-CN" dirty="0" smtClean="0"/>
+          </a:p>
+          <a:p>
+            <a:r>
+              <a:rPr kumimoji="1" lang="en-US" altLang="zh-CN" dirty="0" smtClean="0"/>
+              <a:t>Logout</a:t>
+            </a:r>
+            <a:r>
+              <a:rPr kumimoji="1" lang="zh-CN" altLang="en-US" dirty="0" smtClean="0"/>
+              <a:t>实现</a:t>
+            </a:r>
+            <a:r>
+              <a:rPr kumimoji="1" lang="en-US" altLang="zh-CN" dirty="0" smtClean="0"/>
+              <a:t>?? </a:t>
+            </a:r>
+          </a:p>
+        </p:txBody>
+      </p:sp>
+      <p:pic>
+        <p:nvPicPr>
+          <p:cNvPr id="3" name="图片 2"/>
+          <p:cNvPicPr>
+            <a:picLocks noChangeAspect="1"/>
+          </p:cNvPicPr>
+          <p:nvPr/>
+        </p:nvPicPr>
+        <p:blipFill>
+          <a:blip r:embed="rId2">
+            <a:extLst>
+              <a:ext uri="{28A0092B-C50C-407E-A947-70E740481C1C}">
+                <a14:useLocalDpi xmlns:a14="http://schemas.microsoft.com/office/drawing/2010/main" val="0"/>
+              </a:ext>
+            </a:extLst>
+          </a:blip>
+          <a:stretch>
+            <a:fillRect/>
+          </a:stretch>
+        </p:blipFill>
+        <p:spPr>
+          <a:xfrm>
+            <a:off x="521425" y="0"/>
+            <a:ext cx="3877561" cy="6858000"/>
+          </a:xfrm>
+          <a:prstGeom prst="rect">
+            <a:avLst/>
+          </a:prstGeom>
+        </p:spPr>
+      </p:pic>
+      <p:sp>
+        <p:nvSpPr>
+          <p:cNvPr id="4" name="文本框 3"/>
+          <p:cNvSpPr txBox="1"/>
+          <p:nvPr/>
+        </p:nvSpPr>
+        <p:spPr>
+          <a:xfrm>
+            <a:off x="8877774" y="887895"/>
+            <a:ext cx="1388201" cy="1077218"/>
+          </a:xfrm>
+          <a:prstGeom prst="rect">
+            <a:avLst/>
+          </a:prstGeom>
+          <a:noFill/>
+        </p:spPr>
+        <p:txBody>
+          <a:bodyPr wrap="none" rtlCol="0">
+            <a:spAutoFit/>
+          </a:bodyPr>
+          <a:lstStyle>
+            <a:defPPr>
+              <a:defRPr lang="zh-CN"/>
+            </a:defPPr>
+            <a:lvl1pPr lvl="0">
+              <a:defRPr kumimoji="1" sz="3200"/>
+            </a:lvl1pPr>
+          </a:lstStyle>
+          <a:p>
+            <a:r>
+              <a:rPr lang="en-US" altLang="zh-CN" dirty="0" err="1"/>
+              <a:t>Wenbo</a:t>
+            </a:r>
+            <a:endParaRPr lang="en-US" altLang="zh-CN" dirty="0"/>
+          </a:p>
+          <a:p>
+            <a:endParaRPr lang="zh-CN" altLang="en-US" dirty="0"/>
+          </a:p>
+        </p:txBody>
+      </p:sp>
+      <p:pic>
+        <p:nvPicPr>
+          <p:cNvPr id="2" name="图片 1"/>
+          <p:cNvPicPr>
+            <a:picLocks noChangeAspect="1"/>
+          </p:cNvPicPr>
+          <p:nvPr/>
+        </p:nvPicPr>
+        <p:blipFill>
+          <a:blip r:embed="rId3">
+            <a:extLst>
+              <a:ext uri="{28A0092B-C50C-407E-A947-70E740481C1C}">
+                <a14:useLocalDpi xmlns:a14="http://schemas.microsoft.com/office/drawing/2010/main" val="0"/>
+              </a:ext>
+            </a:extLst>
+          </a:blip>
+          <a:stretch>
+            <a:fillRect/>
+          </a:stretch>
+        </p:blipFill>
+        <p:spPr>
+          <a:xfrm>
+            <a:off x="4522857" y="0"/>
+            <a:ext cx="3834473" cy="6858000"/>
+          </a:xfrm>
+          <a:prstGeom prst="rect">
+            <a:avLst/>
+          </a:prstGeom>
+        </p:spPr>
+      </p:pic>
+    </p:spTree>
+    <p:extLst>
+      <p:ext uri="{BB962C8B-B14F-4D97-AF65-F5344CB8AC3E}">
+        <p14:creationId xmlns:p14="http://schemas.microsoft.com/office/powerpoint/2010/main" val="116461853"/>
+      </p:ext>
+    </p:extLst>
+  </p:cSld>
+  <p:clrMapOvr>
+    <a:masterClrMapping/>
+  </p:clrMapOvr>
+</p:sld>
+</file>
+
+<file path=ppt/slides/slide11.xml><?xml version="1.0" encoding="utf-8"?>
+<p:sld xmlns:a="http://schemas.openxmlformats.org/drawingml/2006/main" xmlns:r="http://schemas.openxmlformats.org/officeDocument/2006/relationships" xmlns:p="http://schemas.openxmlformats.org/presentationml/2006/main">
+  <p:cSld>
+    <p:spTree>
+      <p:nvGrpSpPr>
+        <p:cNvPr id="1" name=""/>
+        <p:cNvGrpSpPr/>
+        <p:nvPr/>
+      </p:nvGrpSpPr>
+      <p:grpSpPr>
+        <a:xfrm>
+          <a:off x="0" y="0"/>
+          <a:ext cx="0" cy="0"/>
+          <a:chOff x="0" y="0"/>
+          <a:chExt cx="0" cy="0"/>
+        </a:xfrm>
+      </p:grpSpPr>
+      <p:sp>
+        <p:nvSpPr>
+          <p:cNvPr id="5" name="文本框 4"/>
+          <p:cNvSpPr txBox="1"/>
+          <p:nvPr/>
+        </p:nvSpPr>
+        <p:spPr>
+          <a:xfrm>
             <a:off x="7208000" y="2636164"/>
             <a:ext cx="3990088" cy="2031325"/>
           </a:xfrm>
@@ -3787,7 +4020,7 @@
 </p:sld>
 </file>
 
-<file path=ppt/slides/slide11.xml><?xml version="1.0" encoding="utf-8"?>
+<file path=ppt/slides/slide12.xml><?xml version="1.0" encoding="utf-8"?>
 <p:sld xmlns:a="http://schemas.openxmlformats.org/drawingml/2006/main" xmlns:r="http://schemas.openxmlformats.org/officeDocument/2006/relationships" xmlns:p="http://schemas.openxmlformats.org/presentationml/2006/main">
   <p:cSld>
     <p:spTree>
@@ -3864,6 +4097,153 @@
 </file>
 
 <file path=ppt/slides/slide2.xml><?xml version="1.0" encoding="utf-8"?>
+<p:sld xmlns:a="http://schemas.openxmlformats.org/drawingml/2006/main" xmlns:r="http://schemas.openxmlformats.org/officeDocument/2006/relationships" xmlns:p="http://schemas.openxmlformats.org/presentationml/2006/main">
+  <p:cSld>
+    <p:spTree>
+      <p:nvGrpSpPr>
+        <p:cNvPr id="1" name=""/>
+        <p:cNvGrpSpPr/>
+        <p:nvPr/>
+      </p:nvGrpSpPr>
+      <p:grpSpPr>
+        <a:xfrm>
+          <a:off x="0" y="0"/>
+          <a:ext cx="0" cy="0"/>
+          <a:chOff x="0" y="0"/>
+          <a:chExt cx="0" cy="0"/>
+        </a:xfrm>
+      </p:grpSpPr>
+      <p:sp>
+        <p:nvSpPr>
+          <p:cNvPr id="4" name="文本框 3"/>
+          <p:cNvSpPr txBox="1"/>
+          <p:nvPr/>
+        </p:nvSpPr>
+        <p:spPr>
+          <a:xfrm>
+            <a:off x="4641242" y="3660219"/>
+            <a:ext cx="5214889" cy="1477328"/>
+          </a:xfrm>
+          <a:prstGeom prst="rect">
+            <a:avLst/>
+          </a:prstGeom>
+          <a:noFill/>
+        </p:spPr>
+        <p:txBody>
+          <a:bodyPr wrap="none" rtlCol="0">
+            <a:spAutoFit/>
+          </a:bodyPr>
+          <a:lstStyle/>
+          <a:p>
+            <a:r>
+              <a:rPr kumimoji="1" lang="zh-CN" altLang="en-US" dirty="0" smtClean="0"/>
+              <a:t>难点：</a:t>
+            </a:r>
+          </a:p>
+          <a:p>
+            <a:r>
+              <a:rPr kumimoji="1" lang="zh-CN" altLang="en-US" dirty="0" smtClean="0"/>
+              <a:t>返回上一页</a:t>
+            </a:r>
+          </a:p>
+          <a:p>
+            <a:r>
+              <a:rPr kumimoji="1" lang="en-US" altLang="zh-CN" dirty="0" smtClean="0"/>
+              <a:t>Login</a:t>
+            </a:r>
+            <a:r>
+              <a:rPr kumimoji="1" lang="zh-CN" altLang="en-US" dirty="0" smtClean="0"/>
+              <a:t>、</a:t>
+            </a:r>
+            <a:r>
+              <a:rPr kumimoji="1" lang="en-US" altLang="zh-CN" dirty="0" smtClean="0"/>
+              <a:t>out</a:t>
+            </a:r>
+            <a:endParaRPr kumimoji="1" lang="zh-CN" altLang="en-US" dirty="0" smtClean="0"/>
+          </a:p>
+          <a:p>
+            <a:r>
+              <a:rPr kumimoji="1" lang="zh-CN" altLang="en-US" dirty="0" smtClean="0">
+                <a:solidFill>
+                  <a:srgbClr val="FF0000"/>
+                </a:solidFill>
+              </a:rPr>
+              <a:t>是否使用地图</a:t>
+            </a:r>
+            <a:r>
+              <a:rPr kumimoji="1" lang="en-US" altLang="zh-CN" dirty="0" smtClean="0">
+                <a:solidFill>
+                  <a:srgbClr val="FF0000"/>
+                </a:solidFill>
+              </a:rPr>
+              <a:t>or</a:t>
+            </a:r>
+            <a:r>
+              <a:rPr kumimoji="1" lang="zh-CN" altLang="en-US" dirty="0" smtClean="0">
+                <a:solidFill>
+                  <a:srgbClr val="FF0000"/>
+                </a:solidFill>
+              </a:rPr>
+              <a:t>文本框</a:t>
+            </a:r>
+            <a:r>
+              <a:rPr kumimoji="1" lang="en-US" altLang="zh-CN" dirty="0" smtClean="0"/>
+              <a:t>---</a:t>
+            </a:r>
+            <a:r>
+              <a:rPr kumimoji="1" lang="zh-CN" altLang="en-US" dirty="0" smtClean="0"/>
+              <a:t>难：内置地图并选择位置</a:t>
+            </a:r>
+          </a:p>
+          <a:p>
+            <a:endParaRPr kumimoji="1" lang="zh-CN" altLang="en-US" dirty="0"/>
+          </a:p>
+        </p:txBody>
+      </p:sp>
+      <p:pic>
+        <p:nvPicPr>
+          <p:cNvPr id="2" name="图片 1"/>
+          <p:cNvPicPr>
+            <a:picLocks noChangeAspect="1"/>
+          </p:cNvPicPr>
+          <p:nvPr/>
+        </p:nvPicPr>
+        <p:blipFill>
+          <a:blip r:embed="rId2">
+            <a:extLst>
+              <a:ext uri="{28A0092B-C50C-407E-A947-70E740481C1C}">
+                <a14:useLocalDpi xmlns:a14="http://schemas.microsoft.com/office/drawing/2010/main" val="0"/>
+              </a:ext>
+            </a:extLst>
+          </a:blip>
+          <a:stretch>
+            <a:fillRect/>
+          </a:stretch>
+        </p:blipFill>
+        <p:spPr>
+          <a:xfrm>
+            <a:off x="127553" y="0"/>
+            <a:ext cx="4023360" cy="6858000"/>
+          </a:xfrm>
+          <a:prstGeom prst="rect">
+            <a:avLst/>
+          </a:prstGeom>
+        </p:spPr>
+      </p:pic>
+    </p:spTree>
+    <p:extLst>
+      <p:ext uri="{BB962C8B-B14F-4D97-AF65-F5344CB8AC3E}">
+        <p14:creationId xmlns:p14="http://schemas.microsoft.com/office/powerpoint/2010/main" val="248435142"/>
+      </p:ext>
+    </p:extLst>
+  </p:cSld>
+  <p:clrMapOvr>
+    <a:masterClrMapping/>
+  </p:clrMapOvr>
+</p:sld>
+</file>
+
+<file path=ppt/slides/slide3.xml><?xml version="1.0" encoding="utf-8"?>
 <p:sld xmlns:a="http://schemas.openxmlformats.org/drawingml/2006/main" xmlns:r="http://schemas.openxmlformats.org/officeDocument/2006/relationships" xmlns:p="http://schemas.openxmlformats.org/presentationml/2006/main">
   <p:cSld>
     <p:spTree>
@@ -3985,7 +4365,7 @@
 </p:sld>
 </file>
 
-<file path=ppt/slides/slide3.xml><?xml version="1.0" encoding="utf-8"?>
+<file path=ppt/slides/slide4.xml><?xml version="1.0" encoding="utf-8"?>
 <p:sld xmlns:a="http://schemas.openxmlformats.org/drawingml/2006/main" xmlns:r="http://schemas.openxmlformats.org/officeDocument/2006/relationships" xmlns:p="http://schemas.openxmlformats.org/presentationml/2006/main">
   <p:cSld>
     <p:spTree>
@@ -4219,7 +4599,7 @@
 </p:sld>
 </file>
 
-<file path=ppt/slides/slide4.xml><?xml version="1.0" encoding="utf-8"?>
+<file path=ppt/slides/slide5.xml><?xml version="1.0" encoding="utf-8"?>
 <p:sld xmlns:a="http://schemas.openxmlformats.org/drawingml/2006/main" xmlns:r="http://schemas.openxmlformats.org/officeDocument/2006/relationships" xmlns:p="http://schemas.openxmlformats.org/presentationml/2006/main">
   <p:cSld>
     <p:spTree>
@@ -4459,7 +4839,7 @@
 </p:sld>
 </file>
 
-<file path=ppt/slides/slide5.xml><?xml version="1.0" encoding="utf-8"?>
+<file path=ppt/slides/slide6.xml><?xml version="1.0" encoding="utf-8"?>
 <p:sld xmlns:a="http://schemas.openxmlformats.org/drawingml/2006/main" xmlns:r="http://schemas.openxmlformats.org/officeDocument/2006/relationships" xmlns:p="http://schemas.openxmlformats.org/presentationml/2006/main">
   <p:cSld>
     <p:spTree>
@@ -4599,7 +4979,7 @@
 </p:sld>
 </file>
 
-<file path=ppt/slides/slide6.xml><?xml version="1.0" encoding="utf-8"?>
+<file path=ppt/slides/slide7.xml><?xml version="1.0" encoding="utf-8"?>
 <p:sld xmlns:a="http://schemas.openxmlformats.org/drawingml/2006/main" xmlns:r="http://schemas.openxmlformats.org/officeDocument/2006/relationships" xmlns:p="http://schemas.openxmlformats.org/presentationml/2006/main">
   <p:cSld>
     <p:spTree>
@@ -4624,7 +5004,7 @@
         </p:nvSpPr>
         <p:spPr>
           <a:xfrm>
-            <a:off x="5295900" y="2439505"/>
+            <a:off x="7429500" y="2466009"/>
             <a:ext cx="2953629" cy="3139321"/>
           </a:xfrm>
           <a:prstGeom prst="rect">
@@ -4714,7 +5094,7 @@
         </p:nvSpPr>
         <p:spPr>
           <a:xfrm>
-            <a:off x="5295900" y="1152939"/>
+            <a:off x="7429500" y="1179443"/>
             <a:ext cx="1550746" cy="984885"/>
           </a:xfrm>
           <a:prstGeom prst="rect">
@@ -4778,6 +5158,130 @@
           </a:prstGeom>
         </p:spPr>
       </p:pic>
+      <p:sp>
+        <p:nvSpPr>
+          <p:cNvPr id="2" name="文本框 1"/>
+          <p:cNvSpPr txBox="1"/>
+          <p:nvPr/>
+        </p:nvSpPr>
+        <p:spPr>
+          <a:xfrm>
+            <a:off x="4628728" y="145773"/>
+            <a:ext cx="3269567" cy="4247317"/>
+          </a:xfrm>
+          <a:prstGeom prst="rect">
+            <a:avLst/>
+          </a:prstGeom>
+          <a:noFill/>
+        </p:spPr>
+        <p:txBody>
+          <a:bodyPr wrap="square" rtlCol="0">
+            <a:spAutoFit/>
+          </a:bodyPr>
+          <a:lstStyle/>
+          <a:p>
+            <a:r>
+              <a:rPr kumimoji="1" lang="en-US" altLang="zh-CN" dirty="0" smtClean="0"/>
+              <a:t>.</a:t>
+            </a:r>
+            <a:r>
+              <a:rPr kumimoji="1" lang="en-US" altLang="zh-CN" dirty="0" err="1" smtClean="0"/>
+              <a:t>statusBar</a:t>
+            </a:r>
+            <a:endParaRPr kumimoji="1" lang="en-US" altLang="zh-CN" dirty="0" smtClean="0"/>
+          </a:p>
+          <a:p>
+            <a:r>
+              <a:rPr kumimoji="1" lang="en-US" altLang="zh-CN" dirty="0" smtClean="0"/>
+              <a:t>.</a:t>
+            </a:r>
+            <a:r>
+              <a:rPr kumimoji="1" lang="en-US" altLang="zh-CN" dirty="0" err="1" smtClean="0"/>
+              <a:t>headingBar</a:t>
+            </a:r>
+            <a:r>
+              <a:rPr kumimoji="1" lang="en-US" altLang="zh-CN" dirty="0" smtClean="0"/>
+              <a:t>   #</a:t>
+            </a:r>
+            <a:r>
+              <a:rPr kumimoji="1" lang="en-US" altLang="zh-CN" dirty="0" err="1" smtClean="0"/>
+              <a:t>headingTop</a:t>
+            </a:r>
+            <a:endParaRPr kumimoji="1" lang="en-US" altLang="zh-CN" dirty="0" smtClean="0"/>
+          </a:p>
+          <a:p>
+            <a:endParaRPr kumimoji="1" lang="en-US" altLang="zh-CN" dirty="0" smtClean="0"/>
+          </a:p>
+          <a:p>
+            <a:endParaRPr kumimoji="1" lang="en-US" altLang="zh-CN" dirty="0"/>
+          </a:p>
+          <a:p>
+            <a:endParaRPr kumimoji="1" lang="en-US" altLang="zh-CN" dirty="0" smtClean="0"/>
+          </a:p>
+          <a:p>
+            <a:r>
+              <a:rPr kumimoji="1" lang="en-US" altLang="zh-CN" dirty="0" smtClean="0"/>
+              <a:t>.</a:t>
+            </a:r>
+            <a:r>
+              <a:rPr kumimoji="1" lang="en-US" altLang="zh-CN" dirty="0" err="1" smtClean="0"/>
+              <a:t>adImg</a:t>
+            </a:r>
+            <a:endParaRPr kumimoji="1" lang="en-US" altLang="zh-CN" dirty="0"/>
+          </a:p>
+          <a:p>
+            <a:endParaRPr kumimoji="1" lang="en-US" altLang="zh-CN" dirty="0" smtClean="0"/>
+          </a:p>
+          <a:p>
+            <a:endParaRPr kumimoji="1" lang="en-US" altLang="zh-CN" dirty="0"/>
+          </a:p>
+          <a:p>
+            <a:endParaRPr kumimoji="1" lang="en-US" altLang="zh-CN" dirty="0" smtClean="0"/>
+          </a:p>
+          <a:p>
+            <a:r>
+              <a:rPr kumimoji="1" lang="en-US" altLang="zh-CN" dirty="0" smtClean="0"/>
+              <a:t>.</a:t>
+            </a:r>
+            <a:r>
+              <a:rPr kumimoji="1" lang="en-US" altLang="zh-CN" dirty="0" err="1" smtClean="0"/>
+              <a:t>subHeading</a:t>
+            </a:r>
+            <a:r>
+              <a:rPr kumimoji="1" lang="en-US" altLang="zh-CN" dirty="0" smtClean="0"/>
+              <a:t> .</a:t>
+            </a:r>
+            <a:r>
+              <a:rPr kumimoji="1" lang="en-US" altLang="zh-CN" dirty="0" err="1" smtClean="0"/>
+              <a:t>subHeadingLine</a:t>
+            </a:r>
+            <a:endParaRPr kumimoji="1" lang="en-US" altLang="zh-CN" dirty="0" smtClean="0"/>
+          </a:p>
+          <a:p>
+            <a:endParaRPr kumimoji="1" lang="en-US" altLang="zh-CN" dirty="0"/>
+          </a:p>
+          <a:p>
+            <a:endParaRPr kumimoji="1" lang="en-US" altLang="zh-CN" dirty="0" smtClean="0"/>
+          </a:p>
+          <a:p>
+            <a:endParaRPr kumimoji="1" lang="en-US" altLang="zh-CN" dirty="0"/>
+          </a:p>
+          <a:p>
+            <a:r>
+              <a:rPr kumimoji="1" lang="en-US" altLang="zh-CN" dirty="0" err="1" smtClean="0"/>
+              <a:t>Table,td</a:t>
+            </a:r>
+            <a:endParaRPr kumimoji="1" lang="en-US" altLang="zh-CN" dirty="0" smtClean="0"/>
+          </a:p>
+          <a:p>
+            <a:r>
+              <a:rPr kumimoji="1" lang="en-US" altLang="zh-CN" dirty="0" err="1" smtClean="0"/>
+              <a:t>borderAll</a:t>
+            </a:r>
+            <a:endParaRPr kumimoji="1" lang="en-US" altLang="zh-CN" dirty="0"/>
+          </a:p>
+        </p:txBody>
+      </p:sp>
     </p:spTree>
     <p:extLst>
       <p:ext uri="{BB962C8B-B14F-4D97-AF65-F5344CB8AC3E}">
@@ -4791,7 +5295,7 @@
 </p:sld>
 </file>
 
-<file path=ppt/slides/slide7.xml><?xml version="1.0" encoding="utf-8"?>
+<file path=ppt/slides/slide8.xml><?xml version="1.0" encoding="utf-8"?>
 <p:sld xmlns:a="http://schemas.openxmlformats.org/drawingml/2006/main" xmlns:r="http://schemas.openxmlformats.org/officeDocument/2006/relationships" xmlns:p="http://schemas.openxmlformats.org/presentationml/2006/main">
   <p:cSld>
     <p:spTree>
@@ -5087,7 +5591,7 @@
 </p:sld>
 </file>
 
-<file path=ppt/slides/slide8.xml><?xml version="1.0" encoding="utf-8"?>
+<file path=ppt/slides/slide9.xml><?xml version="1.0" encoding="utf-8"?>
 <p:sld xmlns:a="http://schemas.openxmlformats.org/drawingml/2006/main" xmlns:r="http://schemas.openxmlformats.org/officeDocument/2006/relationships" xmlns:p="http://schemas.openxmlformats.org/presentationml/2006/main">
   <p:cSld>
     <p:spTree>
@@ -5289,238 +5793,6 @@
     <p:extLst>
       <p:ext uri="{BB962C8B-B14F-4D97-AF65-F5344CB8AC3E}">
         <p14:creationId xmlns:p14="http://schemas.microsoft.com/office/powerpoint/2010/main" val="1460422798"/>
-      </p:ext>
-    </p:extLst>
-  </p:cSld>
-  <p:clrMapOvr>
-    <a:masterClrMapping/>
-  </p:clrMapOvr>
-</p:sld>
-</file>
-
-<file path=ppt/slides/slide9.xml><?xml version="1.0" encoding="utf-8"?>
-<p:sld xmlns:a="http://schemas.openxmlformats.org/drawingml/2006/main" xmlns:r="http://schemas.openxmlformats.org/officeDocument/2006/relationships" xmlns:p="http://schemas.openxmlformats.org/presentationml/2006/main">
-  <p:cSld>
-    <p:spTree>
-      <p:nvGrpSpPr>
-        <p:cNvPr id="1" name=""/>
-        <p:cNvGrpSpPr/>
-        <p:nvPr/>
-      </p:nvGrpSpPr>
-      <p:grpSpPr>
-        <a:xfrm>
-          <a:off x="0" y="0"/>
-          <a:ext cx="0" cy="0"/>
-          <a:chOff x="0" y="0"/>
-          <a:chExt cx="0" cy="0"/>
-        </a:xfrm>
-      </p:grpSpPr>
-      <p:sp>
-        <p:nvSpPr>
-          <p:cNvPr id="5" name="文本框 4"/>
-          <p:cNvSpPr txBox="1"/>
-          <p:nvPr/>
-        </p:nvSpPr>
-        <p:spPr>
-          <a:xfrm>
-            <a:off x="8877774" y="2655325"/>
-            <a:ext cx="2903409" cy="3139321"/>
-          </a:xfrm>
-          <a:prstGeom prst="rect">
-            <a:avLst/>
-          </a:prstGeom>
-          <a:noFill/>
-        </p:spPr>
-        <p:txBody>
-          <a:bodyPr wrap="square" rtlCol="0">
-            <a:spAutoFit/>
-          </a:bodyPr>
-          <a:lstStyle/>
-          <a:p>
-            <a:r>
-              <a:rPr kumimoji="1" lang="en-US" altLang="zh-CN" dirty="0" smtClean="0"/>
-              <a:t>me</a:t>
-            </a:r>
-            <a:endParaRPr kumimoji="1" lang="zh-CN" altLang="en-US" dirty="0" smtClean="0"/>
-          </a:p>
-          <a:p>
-            <a:endParaRPr kumimoji="1" lang="zh-CN" altLang="en-US" dirty="0"/>
-          </a:p>
-          <a:p>
-            <a:endParaRPr kumimoji="1" lang="zh-CN" altLang="en-US" dirty="0" smtClean="0"/>
-          </a:p>
-          <a:p>
-            <a:endParaRPr kumimoji="1" lang="zh-CN" altLang="en-US" dirty="0"/>
-          </a:p>
-          <a:p>
-            <a:r>
-              <a:rPr kumimoji="1" lang="en-US" altLang="zh-CN" dirty="0" smtClean="0"/>
-              <a:t>Set/get Gender</a:t>
-            </a:r>
-          </a:p>
-          <a:p>
-            <a:r>
-              <a:rPr kumimoji="1" lang="en-US" altLang="zh-CN" dirty="0" smtClean="0"/>
-              <a:t>Set/get Intensity</a:t>
-            </a:r>
-          </a:p>
-          <a:p>
-            <a:r>
-              <a:rPr kumimoji="1" lang="en-US" altLang="zh-CN" dirty="0" err="1" smtClean="0"/>
-              <a:t>setNotification</a:t>
-            </a:r>
-            <a:endParaRPr kumimoji="1" lang="en-US" altLang="zh-CN" dirty="0" smtClean="0"/>
-          </a:p>
-          <a:p>
-            <a:r>
-              <a:rPr kumimoji="1" lang="en-US" altLang="zh-CN" dirty="0" err="1" smtClean="0"/>
-              <a:t>setSharing</a:t>
-            </a:r>
-            <a:endParaRPr kumimoji="1" lang="en-US" altLang="zh-CN" dirty="0" smtClean="0"/>
-          </a:p>
-          <a:p>
-            <a:r>
-              <a:rPr kumimoji="1" lang="en-US" altLang="zh-CN" dirty="0" err="1" smtClean="0"/>
-              <a:t>getProfile</a:t>
-            </a:r>
-            <a:r>
-              <a:rPr kumimoji="1" lang="zh-CN" altLang="en-US" dirty="0" smtClean="0"/>
-              <a:t> 返回数组，包含</a:t>
-            </a:r>
-            <a:r>
-              <a:rPr kumimoji="1" lang="en-US" altLang="zh-CN" dirty="0" smtClean="0"/>
-              <a:t>ID</a:t>
-            </a:r>
-            <a:r>
-              <a:rPr kumimoji="1" lang="zh-CN" altLang="en-US" dirty="0"/>
-              <a:t>，</a:t>
-            </a:r>
-            <a:r>
-              <a:rPr kumimoji="1" lang="zh-CN" altLang="en-US" dirty="0" smtClean="0"/>
-              <a:t>名字，图片，初始设置？</a:t>
-            </a:r>
-            <a:endParaRPr kumimoji="1" lang="en-US" altLang="zh-CN" dirty="0" smtClean="0"/>
-          </a:p>
-          <a:p>
-            <a:r>
-              <a:rPr kumimoji="1" lang="en-US" altLang="zh-CN" dirty="0" smtClean="0"/>
-              <a:t>Logout</a:t>
-            </a:r>
-            <a:r>
-              <a:rPr kumimoji="1" lang="zh-CN" altLang="en-US" dirty="0" smtClean="0"/>
-              <a:t>实现</a:t>
-            </a:r>
-            <a:r>
-              <a:rPr kumimoji="1" lang="en-US" altLang="zh-CN" dirty="0" smtClean="0"/>
-              <a:t>?? </a:t>
-            </a:r>
-          </a:p>
-        </p:txBody>
-      </p:sp>
-      <p:pic>
-        <p:nvPicPr>
-          <p:cNvPr id="3" name="图片 2"/>
-          <p:cNvPicPr>
-            <a:picLocks noChangeAspect="1"/>
-          </p:cNvPicPr>
-          <p:nvPr/>
-        </p:nvPicPr>
-        <p:blipFill>
-          <a:blip r:embed="rId2">
-            <a:extLst>
-              <a:ext uri="{28A0092B-C50C-407E-A947-70E740481C1C}">
-                <a14:useLocalDpi xmlns:a14="http://schemas.microsoft.com/office/drawing/2010/main" val="0"/>
-              </a:ext>
-            </a:extLst>
-          </a:blip>
-          <a:stretch>
-            <a:fillRect/>
-          </a:stretch>
-        </p:blipFill>
-        <p:spPr>
-          <a:xfrm>
-            <a:off x="521425" y="0"/>
-            <a:ext cx="3877561" cy="6858000"/>
-          </a:xfrm>
-          <a:prstGeom prst="rect">
-            <a:avLst/>
-          </a:prstGeom>
-        </p:spPr>
-      </p:pic>
-      <p:sp>
-        <p:nvSpPr>
-          <p:cNvPr id="4" name="文本框 3"/>
-          <p:cNvSpPr txBox="1"/>
-          <p:nvPr/>
-        </p:nvSpPr>
-        <p:spPr>
-          <a:xfrm>
-            <a:off x="8877774" y="887895"/>
-            <a:ext cx="1388201" cy="1077218"/>
-          </a:xfrm>
-          <a:prstGeom prst="rect">
-            <a:avLst/>
-          </a:prstGeom>
-          <a:noFill/>
-        </p:spPr>
-        <p:txBody>
-          <a:bodyPr wrap="none" rtlCol="0">
-            <a:spAutoFit/>
-          </a:bodyPr>
-          <a:lstStyle>
-            <a:defPPr>
-              <a:defRPr lang="zh-CN"/>
-            </a:defPPr>
-            <a:lvl1pPr lvl="0">
-              <a:defRPr kumimoji="1" sz="3200"/>
-            </a:lvl1pPr>
-          </a:lstStyle>
-          <a:p>
-            <a:r>
-              <a:rPr lang="en-US" altLang="zh-CN" dirty="0" err="1"/>
-              <a:t>Wenbo</a:t>
-            </a:r>
-            <a:endParaRPr lang="en-US" altLang="zh-CN" dirty="0"/>
-          </a:p>
-          <a:p>
-            <a:endParaRPr lang="zh-CN" altLang="en-US" dirty="0"/>
-          </a:p>
-        </p:txBody>
-      </p:sp>
-      <p:pic>
-        <p:nvPicPr>
-          <p:cNvPr id="2" name="图片 1"/>
-          <p:cNvPicPr>
-            <a:picLocks noChangeAspect="1"/>
-          </p:cNvPicPr>
-          <p:nvPr/>
-        </p:nvPicPr>
-        <p:blipFill>
-          <a:blip r:embed="rId3">
-            <a:extLst>
-              <a:ext uri="{28A0092B-C50C-407E-A947-70E740481C1C}">
-                <a14:useLocalDpi xmlns:a14="http://schemas.microsoft.com/office/drawing/2010/main" val="0"/>
-              </a:ext>
-            </a:extLst>
-          </a:blip>
-          <a:stretch>
-            <a:fillRect/>
-          </a:stretch>
-        </p:blipFill>
-        <p:spPr>
-          <a:xfrm>
-            <a:off x="4522857" y="0"/>
-            <a:ext cx="3834473" cy="6858000"/>
-          </a:xfrm>
-          <a:prstGeom prst="rect">
-            <a:avLst/>
-          </a:prstGeom>
-        </p:spPr>
-      </p:pic>
-    </p:spTree>
-    <p:extLst>
-      <p:ext uri="{BB962C8B-B14F-4D97-AF65-F5344CB8AC3E}">
-        <p14:creationId xmlns:p14="http://schemas.microsoft.com/office/powerpoint/2010/main" val="116461853"/>
       </p:ext>
     </p:extLst>
   </p:cSld>
